--- a/Pres_刘江_孙竟耀_金帆.pptx
+++ b/Pres_刘江_孙竟耀_金帆.pptx
@@ -8,6 +8,13 @@
     <p:sldId id="256" r:id="rId2"/>
     <p:sldId id="258" r:id="rId3"/>
     <p:sldId id="257" r:id="rId4"/>
+    <p:sldId id="260" r:id="rId5"/>
+    <p:sldId id="261" r:id="rId6"/>
+    <p:sldId id="262" r:id="rId7"/>
+    <p:sldId id="263" r:id="rId8"/>
+    <p:sldId id="264" r:id="rId9"/>
+    <p:sldId id="265" r:id="rId10"/>
+    <p:sldId id="266" r:id="rId11"/>
   </p:sldIdLst>
   <p:sldSz cx="12192000" cy="6858000"/>
   <p:notesSz cx="6858000" cy="9144000"/>
@@ -114,16 +121,47 @@
             <p14:sldId id="256"/>
           </p14:sldIdLst>
         </p14:section>
-        <p14:section name="引言" id="{92522EA4-6640-45C6-B9FB-FDE3017BD7D3}">
+        <p14:section name="刘江的部分" id="{C810C7E7-983C-4CBB-ABC9-020FED794DC9}">
+          <p14:sldIdLst/>
+        </p14:section>
+        <p14:section name="孙竟耀的部分" id="{8986E747-E68A-48CF-AF11-CE925CE7D4DD}">
+          <p14:sldIdLst/>
+        </p14:section>
+        <p14:section name="金帆的部分" id="{47DE0A7A-E259-4378-B49D-F13689CCD40E}">
+          <p14:sldIdLst/>
+        </p14:section>
+        <p14:section name="创新实验" id="{92522EA4-6640-45C6-B9FB-FDE3017BD7D3}">
           <p14:sldIdLst>
             <p14:sldId id="258"/>
             <p14:sldId id="257"/>
+            <p14:sldId id="260"/>
+            <p14:sldId id="261"/>
+            <p14:sldId id="262"/>
+          </p14:sldIdLst>
+        </p14:section>
+        <p14:section name="分工" id="{E62087F9-AC9F-4D53-AED9-7327E35DDA85}">
+          <p14:sldIdLst>
+            <p14:sldId id="263"/>
+            <p14:sldId id="264"/>
+            <p14:sldId id="265"/>
+          </p14:sldIdLst>
+        </p14:section>
+        <p14:section name="附录" id="{FBEBD980-ED4D-46D4-8FA0-4944B2954816}">
+          <p14:sldIdLst>
+            <p14:sldId id="266"/>
           </p14:sldIdLst>
         </p14:section>
       </p14:sectionLst>
     </p:ext>
+    <p:ext uri="{EFAFB233-063F-42B5-8137-9DF3F51BA10A}">
+      <p15:sldGuideLst xmlns:p15="http://schemas.microsoft.com/office/powerpoint/2012/main"/>
+    </p:ext>
   </p:extLst>
 </p:presentation>
+</file>
+
+<file path=ppt/revisionInfo.xml><?xml version="1.0" encoding="utf-8"?>
+<p1510:revInfo xmlns:a="http://schemas.openxmlformats.org/drawingml/2006/main" xmlns:r="http://schemas.openxmlformats.org/officeDocument/2006/relationships" xmlns:p1510="http://schemas.microsoft.com/office/powerpoint/2015/10/main"/>
 </file>
 
 <file path=ppt/slideLayouts/slideLayout1.xml><?xml version="1.0" encoding="utf-8"?>
@@ -176,7 +214,7 @@
           <a:noFill/>
           <a:extLst>
             <a:ext uri="{909E8E84-426E-40dd-AFC4-6F175D3DCCD1}">
-              <a14:hiddenFill xmlns:a14="http://schemas.microsoft.com/office/drawing/2010/main" xmlns="">
+              <a14:hiddenFill xmlns="" xmlns:a14="http://schemas.microsoft.com/office/drawing/2010/main">
                 <a:solidFill>
                   <a:srgbClr val="FFFFFF"/>
                 </a:solidFill>
@@ -236,7 +274,7 @@
             </a:ln>
             <a:extLst>
               <a:ext uri="{91240B29-F687-4f45-9708-019B960494DF}">
-                <a14:hiddenLine xmlns:a14="http://schemas.microsoft.com/office/drawing/2010/main" xmlns="" w="9525">
+                <a14:hiddenLine xmlns="" xmlns:a14="http://schemas.microsoft.com/office/drawing/2010/main" w="9525">
                   <a:solidFill>
                     <a:srgbClr val="000000"/>
                   </a:solidFill>
@@ -326,7 +364,7 @@
             </a:ln>
             <a:extLst>
               <a:ext uri="{91240B29-F687-4f45-9708-019B960494DF}">
-                <a14:hiddenLine xmlns:a14="http://schemas.microsoft.com/office/drawing/2010/main" xmlns="" w="9525">
+                <a14:hiddenLine xmlns="" xmlns:a14="http://schemas.microsoft.com/office/drawing/2010/main" w="9525">
                   <a:solidFill>
                     <a:srgbClr val="000000"/>
                   </a:solidFill>
@@ -416,7 +454,7 @@
             </a:ln>
             <a:extLst>
               <a:ext uri="{91240B29-F687-4f45-9708-019B960494DF}">
-                <a14:hiddenLine xmlns:a14="http://schemas.microsoft.com/office/drawing/2010/main" xmlns="" w="9525">
+                <a14:hiddenLine xmlns="" xmlns:a14="http://schemas.microsoft.com/office/drawing/2010/main" w="9525">
                   <a:solidFill>
                     <a:srgbClr val="000000"/>
                   </a:solidFill>
@@ -450,7 +488,7 @@
             </a:ln>
             <a:extLst>
               <a:ext uri="{91240B29-F687-4f45-9708-019B960494DF}">
-                <a14:hiddenLine xmlns:a14="http://schemas.microsoft.com/office/drawing/2010/main" xmlns="" w="9525">
+                <a14:hiddenLine xmlns="" xmlns:a14="http://schemas.microsoft.com/office/drawing/2010/main" w="9525">
                   <a:solidFill>
                     <a:srgbClr val="000000"/>
                   </a:solidFill>
@@ -540,7 +578,7 @@
             </a:ln>
             <a:extLst>
               <a:ext uri="{91240B29-F687-4f45-9708-019B960494DF}">
-                <a14:hiddenLine xmlns:a14="http://schemas.microsoft.com/office/drawing/2010/main" xmlns="" w="9525">
+                <a14:hiddenLine xmlns="" xmlns:a14="http://schemas.microsoft.com/office/drawing/2010/main" w="9525">
                   <a:solidFill>
                     <a:srgbClr val="000000"/>
                   </a:solidFill>
@@ -602,7 +640,7 @@
             </a:ln>
             <a:extLst>
               <a:ext uri="{91240B29-F687-4f45-9708-019B960494DF}">
-                <a14:hiddenLine xmlns:a14="http://schemas.microsoft.com/office/drawing/2010/main" xmlns="" w="9525">
+                <a14:hiddenLine xmlns="" xmlns:a14="http://schemas.microsoft.com/office/drawing/2010/main" w="9525">
                   <a:solidFill>
                     <a:srgbClr val="000000"/>
                   </a:solidFill>
@@ -664,7 +702,7 @@
             </a:ln>
             <a:extLst>
               <a:ext uri="{91240B29-F687-4f45-9708-019B960494DF}">
-                <a14:hiddenLine xmlns:a14="http://schemas.microsoft.com/office/drawing/2010/main" xmlns="" w="9525">
+                <a14:hiddenLine xmlns="" xmlns:a14="http://schemas.microsoft.com/office/drawing/2010/main" w="9525">
                   <a:solidFill>
                     <a:srgbClr val="000000"/>
                   </a:solidFill>
@@ -754,7 +792,7 @@
             </a:ln>
             <a:extLst>
               <a:ext uri="{91240B29-F687-4f45-9708-019B960494DF}">
-                <a14:hiddenLine xmlns:a14="http://schemas.microsoft.com/office/drawing/2010/main" xmlns="" w="9525">
+                <a14:hiddenLine xmlns="" xmlns:a14="http://schemas.microsoft.com/office/drawing/2010/main" w="9525">
                   <a:solidFill>
                     <a:srgbClr val="000000"/>
                   </a:solidFill>
@@ -816,7 +854,7 @@
             </a:ln>
             <a:extLst>
               <a:ext uri="{91240B29-F687-4f45-9708-019B960494DF}">
-                <a14:hiddenLine xmlns:a14="http://schemas.microsoft.com/office/drawing/2010/main" xmlns="" w="9525">
+                <a14:hiddenLine xmlns="" xmlns:a14="http://schemas.microsoft.com/office/drawing/2010/main" w="9525">
                   <a:solidFill>
                     <a:srgbClr val="000000"/>
                   </a:solidFill>
@@ -878,7 +916,7 @@
             </a:ln>
             <a:extLst>
               <a:ext uri="{91240B29-F687-4f45-9708-019B960494DF}">
-                <a14:hiddenLine xmlns:a14="http://schemas.microsoft.com/office/drawing/2010/main" xmlns="" w="9525">
+                <a14:hiddenLine xmlns="" xmlns:a14="http://schemas.microsoft.com/office/drawing/2010/main" w="9525">
                   <a:solidFill>
                     <a:srgbClr val="000000"/>
                   </a:solidFill>
@@ -968,7 +1006,7 @@
             </a:ln>
             <a:extLst>
               <a:ext uri="{91240B29-F687-4f45-9708-019B960494DF}">
-                <a14:hiddenLine xmlns:a14="http://schemas.microsoft.com/office/drawing/2010/main" xmlns="" w="9525">
+                <a14:hiddenLine xmlns="" xmlns:a14="http://schemas.microsoft.com/office/drawing/2010/main" w="9525">
                   <a:solidFill>
                     <a:srgbClr val="000000"/>
                   </a:solidFill>
@@ -1058,7 +1096,7 @@
             </a:ln>
             <a:extLst>
               <a:ext uri="{91240B29-F687-4f45-9708-019B960494DF}">
-                <a14:hiddenLine xmlns:a14="http://schemas.microsoft.com/office/drawing/2010/main" xmlns="" w="9525">
+                <a14:hiddenLine xmlns="" xmlns:a14="http://schemas.microsoft.com/office/drawing/2010/main" w="9525">
                   <a:solidFill>
                     <a:srgbClr val="000000"/>
                   </a:solidFill>
@@ -1120,7 +1158,7 @@
             </a:ln>
             <a:extLst>
               <a:ext uri="{91240B29-F687-4f45-9708-019B960494DF}">
-                <a14:hiddenLine xmlns:a14="http://schemas.microsoft.com/office/drawing/2010/main" xmlns="" w="9525">
+                <a14:hiddenLine xmlns="" xmlns:a14="http://schemas.microsoft.com/office/drawing/2010/main" w="9525">
                   <a:solidFill>
                     <a:srgbClr val="000000"/>
                   </a:solidFill>
@@ -1230,7 +1268,7 @@
             </a:ln>
             <a:extLst>
               <a:ext uri="{91240B29-F687-4f45-9708-019B960494DF}">
-                <a14:hiddenLine xmlns:a14="http://schemas.microsoft.com/office/drawing/2010/main" xmlns="" w="9525">
+                <a14:hiddenLine xmlns="" xmlns:a14="http://schemas.microsoft.com/office/drawing/2010/main" w="9525">
                   <a:solidFill>
                     <a:srgbClr val="000000"/>
                   </a:solidFill>
@@ -1292,7 +1330,7 @@
             </a:ln>
             <a:extLst>
               <a:ext uri="{91240B29-F687-4f45-9708-019B960494DF}">
-                <a14:hiddenLine xmlns:a14="http://schemas.microsoft.com/office/drawing/2010/main" xmlns="" w="9525">
+                <a14:hiddenLine xmlns="" xmlns:a14="http://schemas.microsoft.com/office/drawing/2010/main" w="9525">
                   <a:solidFill>
                     <a:srgbClr val="000000"/>
                   </a:solidFill>
@@ -1382,7 +1420,7 @@
             </a:ln>
             <a:extLst>
               <a:ext uri="{91240B29-F687-4f45-9708-019B960494DF}">
-                <a14:hiddenLine xmlns:a14="http://schemas.microsoft.com/office/drawing/2010/main" xmlns="" w="9525">
+                <a14:hiddenLine xmlns="" xmlns:a14="http://schemas.microsoft.com/office/drawing/2010/main" w="9525">
                   <a:solidFill>
                     <a:srgbClr val="000000"/>
                   </a:solidFill>
@@ -1472,7 +1510,7 @@
             </a:ln>
             <a:extLst>
               <a:ext uri="{91240B29-F687-4f45-9708-019B960494DF}">
-                <a14:hiddenLine xmlns:a14="http://schemas.microsoft.com/office/drawing/2010/main" xmlns="" w="9525">
+                <a14:hiddenLine xmlns="" xmlns:a14="http://schemas.microsoft.com/office/drawing/2010/main" w="9525">
                   <a:solidFill>
                     <a:srgbClr val="000000"/>
                   </a:solidFill>
@@ -1534,7 +1572,7 @@
             </a:ln>
             <a:extLst>
               <a:ext uri="{91240B29-F687-4f45-9708-019B960494DF}">
-                <a14:hiddenLine xmlns:a14="http://schemas.microsoft.com/office/drawing/2010/main" xmlns="" w="9525">
+                <a14:hiddenLine xmlns="" xmlns:a14="http://schemas.microsoft.com/office/drawing/2010/main" w="9525">
                   <a:solidFill>
                     <a:srgbClr val="000000"/>
                   </a:solidFill>
@@ -1624,7 +1662,7 @@
             </a:ln>
             <a:extLst>
               <a:ext uri="{91240B29-F687-4f45-9708-019B960494DF}">
-                <a14:hiddenLine xmlns:a14="http://schemas.microsoft.com/office/drawing/2010/main" xmlns="" w="9525">
+                <a14:hiddenLine xmlns="" xmlns:a14="http://schemas.microsoft.com/office/drawing/2010/main" w="9525">
                   <a:solidFill>
                     <a:srgbClr val="000000"/>
                   </a:solidFill>
@@ -1714,7 +1752,7 @@
             </a:ln>
             <a:extLst>
               <a:ext uri="{91240B29-F687-4f45-9708-019B960494DF}">
-                <a14:hiddenLine xmlns:a14="http://schemas.microsoft.com/office/drawing/2010/main" xmlns="" w="9525">
+                <a14:hiddenLine xmlns="" xmlns:a14="http://schemas.microsoft.com/office/drawing/2010/main" w="9525">
                   <a:solidFill>
                     <a:srgbClr val="000000"/>
                   </a:solidFill>
@@ -1770,7 +1808,7 @@
             </a:ln>
             <a:extLst>
               <a:ext uri="{91240B29-F687-4f45-9708-019B960494DF}">
-                <a14:hiddenLine xmlns:a14="http://schemas.microsoft.com/office/drawing/2010/main" xmlns="" w="9525">
+                <a14:hiddenLine xmlns="" xmlns:a14="http://schemas.microsoft.com/office/drawing/2010/main" w="9525">
                   <a:solidFill>
                     <a:srgbClr val="000000"/>
                   </a:solidFill>
@@ -1860,7 +1898,7 @@
             </a:ln>
             <a:extLst>
               <a:ext uri="{91240B29-F687-4f45-9708-019B960494DF}">
-                <a14:hiddenLine xmlns:a14="http://schemas.microsoft.com/office/drawing/2010/main" xmlns="" w="9525">
+                <a14:hiddenLine xmlns="" xmlns:a14="http://schemas.microsoft.com/office/drawing/2010/main" w="9525">
                   <a:solidFill>
                     <a:srgbClr val="000000"/>
                   </a:solidFill>
@@ -1916,7 +1954,7 @@
             </a:ln>
             <a:extLst>
               <a:ext uri="{91240B29-F687-4f45-9708-019B960494DF}">
-                <a14:hiddenLine xmlns:a14="http://schemas.microsoft.com/office/drawing/2010/main" xmlns="" w="9525">
+                <a14:hiddenLine xmlns="" xmlns:a14="http://schemas.microsoft.com/office/drawing/2010/main" w="9525">
                   <a:solidFill>
                     <a:srgbClr val="000000"/>
                   </a:solidFill>
@@ -2006,7 +2044,7 @@
             </a:ln>
             <a:extLst>
               <a:ext uri="{91240B29-F687-4f45-9708-019B960494DF}">
-                <a14:hiddenLine xmlns:a14="http://schemas.microsoft.com/office/drawing/2010/main" xmlns="" w="9525">
+                <a14:hiddenLine xmlns="" xmlns:a14="http://schemas.microsoft.com/office/drawing/2010/main" w="9525">
                   <a:solidFill>
                     <a:srgbClr val="000000"/>
                   </a:solidFill>
@@ -2074,7 +2112,7 @@
             </a:ln>
             <a:extLst>
               <a:ext uri="{91240B29-F687-4f45-9708-019B960494DF}">
-                <a14:hiddenLine xmlns:a14="http://schemas.microsoft.com/office/drawing/2010/main" xmlns="" w="9525">
+                <a14:hiddenLine xmlns="" xmlns:a14="http://schemas.microsoft.com/office/drawing/2010/main" w="9525">
                   <a:solidFill>
                     <a:srgbClr val="000000"/>
                   </a:solidFill>
@@ -2164,7 +2202,7 @@
             </a:ln>
             <a:extLst>
               <a:ext uri="{91240B29-F687-4f45-9708-019B960494DF}">
-                <a14:hiddenLine xmlns:a14="http://schemas.microsoft.com/office/drawing/2010/main" xmlns="" w="9525">
+                <a14:hiddenLine xmlns="" xmlns:a14="http://schemas.microsoft.com/office/drawing/2010/main" w="9525">
                   <a:solidFill>
                     <a:srgbClr val="000000"/>
                   </a:solidFill>
@@ -2232,7 +2270,7 @@
             </a:ln>
             <a:extLst>
               <a:ext uri="{91240B29-F687-4f45-9708-019B960494DF}">
-                <a14:hiddenLine xmlns:a14="http://schemas.microsoft.com/office/drawing/2010/main" xmlns="" w="9525">
+                <a14:hiddenLine xmlns="" xmlns:a14="http://schemas.microsoft.com/office/drawing/2010/main" w="9525">
                   <a:solidFill>
                     <a:srgbClr val="000000"/>
                   </a:solidFill>
@@ -2322,7 +2360,7 @@
             </a:ln>
             <a:extLst>
               <a:ext uri="{91240B29-F687-4f45-9708-019B960494DF}">
-                <a14:hiddenLine xmlns:a14="http://schemas.microsoft.com/office/drawing/2010/main" xmlns="" w="9525">
+                <a14:hiddenLine xmlns="" xmlns:a14="http://schemas.microsoft.com/office/drawing/2010/main" w="9525">
                   <a:solidFill>
                     <a:srgbClr val="000000"/>
                   </a:solidFill>
@@ -2356,7 +2394,7 @@
             </a:ln>
             <a:extLst>
               <a:ext uri="{91240B29-F687-4f45-9708-019B960494DF}">
-                <a14:hiddenLine xmlns:a14="http://schemas.microsoft.com/office/drawing/2010/main" xmlns="" w="9525">
+                <a14:hiddenLine xmlns="" xmlns:a14="http://schemas.microsoft.com/office/drawing/2010/main" w="9525">
                   <a:solidFill>
                     <a:srgbClr val="000000"/>
                   </a:solidFill>
@@ -2446,7 +2484,7 @@
             </a:ln>
             <a:extLst>
               <a:ext uri="{91240B29-F687-4f45-9708-019B960494DF}">
-                <a14:hiddenLine xmlns:a14="http://schemas.microsoft.com/office/drawing/2010/main" xmlns="" w="9525">
+                <a14:hiddenLine xmlns="" xmlns:a14="http://schemas.microsoft.com/office/drawing/2010/main" w="9525">
                   <a:solidFill>
                     <a:srgbClr val="000000"/>
                   </a:solidFill>
@@ -2508,7 +2546,7 @@
             </a:ln>
             <a:extLst>
               <a:ext uri="{91240B29-F687-4f45-9708-019B960494DF}">
-                <a14:hiddenLine xmlns:a14="http://schemas.microsoft.com/office/drawing/2010/main" xmlns="" w="9525">
+                <a14:hiddenLine xmlns="" xmlns:a14="http://schemas.microsoft.com/office/drawing/2010/main" w="9525">
                   <a:solidFill>
                     <a:srgbClr val="000000"/>
                   </a:solidFill>
@@ -2570,7 +2608,7 @@
             </a:ln>
             <a:extLst>
               <a:ext uri="{91240B29-F687-4f45-9708-019B960494DF}">
-                <a14:hiddenLine xmlns:a14="http://schemas.microsoft.com/office/drawing/2010/main" xmlns="" w="9525">
+                <a14:hiddenLine xmlns="" xmlns:a14="http://schemas.microsoft.com/office/drawing/2010/main" w="9525">
                   <a:solidFill>
                     <a:srgbClr val="000000"/>
                   </a:solidFill>
@@ -2660,7 +2698,7 @@
             </a:ln>
             <a:extLst>
               <a:ext uri="{91240B29-F687-4f45-9708-019B960494DF}">
-                <a14:hiddenLine xmlns:a14="http://schemas.microsoft.com/office/drawing/2010/main" xmlns="" w="9525">
+                <a14:hiddenLine xmlns="" xmlns:a14="http://schemas.microsoft.com/office/drawing/2010/main" w="9525">
                   <a:solidFill>
                     <a:srgbClr val="000000"/>
                   </a:solidFill>
@@ -2728,7 +2766,7 @@
             </a:ln>
             <a:extLst>
               <a:ext uri="{91240B29-F687-4f45-9708-019B960494DF}">
-                <a14:hiddenLine xmlns:a14="http://schemas.microsoft.com/office/drawing/2010/main" xmlns="" w="9525">
+                <a14:hiddenLine xmlns="" xmlns:a14="http://schemas.microsoft.com/office/drawing/2010/main" w="9525">
                   <a:solidFill>
                     <a:srgbClr val="000000"/>
                   </a:solidFill>
@@ -2790,7 +2828,7 @@
             </a:ln>
             <a:extLst>
               <a:ext uri="{91240B29-F687-4f45-9708-019B960494DF}">
-                <a14:hiddenLine xmlns:a14="http://schemas.microsoft.com/office/drawing/2010/main" xmlns="" w="9525">
+                <a14:hiddenLine xmlns="" xmlns:a14="http://schemas.microsoft.com/office/drawing/2010/main" w="9525">
                   <a:solidFill>
                     <a:srgbClr val="000000"/>
                   </a:solidFill>
@@ -2880,7 +2918,7 @@
             </a:ln>
             <a:extLst>
               <a:ext uri="{91240B29-F687-4f45-9708-019B960494DF}">
-                <a14:hiddenLine xmlns:a14="http://schemas.microsoft.com/office/drawing/2010/main" xmlns="" w="9525">
+                <a14:hiddenLine xmlns="" xmlns:a14="http://schemas.microsoft.com/office/drawing/2010/main" w="9525">
                   <a:solidFill>
                     <a:srgbClr val="000000"/>
                   </a:solidFill>
@@ -2942,7 +2980,7 @@
             </a:ln>
             <a:extLst>
               <a:ext uri="{91240B29-F687-4f45-9708-019B960494DF}">
-                <a14:hiddenLine xmlns:a14="http://schemas.microsoft.com/office/drawing/2010/main" xmlns="" w="9525">
+                <a14:hiddenLine xmlns="" xmlns:a14="http://schemas.microsoft.com/office/drawing/2010/main" w="9525">
                   <a:solidFill>
                     <a:srgbClr val="000000"/>
                   </a:solidFill>
@@ -3032,7 +3070,7 @@
             </a:ln>
             <a:extLst>
               <a:ext uri="{91240B29-F687-4f45-9708-019B960494DF}">
-                <a14:hiddenLine xmlns:a14="http://schemas.microsoft.com/office/drawing/2010/main" xmlns="" w="9525">
+                <a14:hiddenLine xmlns="" xmlns:a14="http://schemas.microsoft.com/office/drawing/2010/main" w="9525">
                   <a:solidFill>
                     <a:srgbClr val="000000"/>
                   </a:solidFill>
@@ -3094,7 +3132,7 @@
             </a:ln>
             <a:extLst>
               <a:ext uri="{91240B29-F687-4f45-9708-019B960494DF}">
-                <a14:hiddenLine xmlns:a14="http://schemas.microsoft.com/office/drawing/2010/main" xmlns="" w="9525">
+                <a14:hiddenLine xmlns="" xmlns:a14="http://schemas.microsoft.com/office/drawing/2010/main" w="9525">
                   <a:solidFill>
                     <a:srgbClr val="000000"/>
                   </a:solidFill>
@@ -3184,7 +3222,7 @@
             </a:ln>
             <a:extLst>
               <a:ext uri="{91240B29-F687-4f45-9708-019B960494DF}">
-                <a14:hiddenLine xmlns:a14="http://schemas.microsoft.com/office/drawing/2010/main" xmlns="" w="9525">
+                <a14:hiddenLine xmlns="" xmlns:a14="http://schemas.microsoft.com/office/drawing/2010/main" w="9525">
                   <a:solidFill>
                     <a:srgbClr val="000000"/>
                   </a:solidFill>
@@ -3218,7 +3256,7 @@
             </a:ln>
             <a:extLst>
               <a:ext uri="{91240B29-F687-4f45-9708-019B960494DF}">
-                <a14:hiddenLine xmlns:a14="http://schemas.microsoft.com/office/drawing/2010/main" xmlns="" w="9525">
+                <a14:hiddenLine xmlns="" xmlns:a14="http://schemas.microsoft.com/office/drawing/2010/main" w="9525">
                   <a:solidFill>
                     <a:srgbClr val="000000"/>
                   </a:solidFill>
@@ -3283,7 +3321,7 @@
             </a:ln>
             <a:extLst>
               <a:ext uri="{91240B29-F687-4f45-9708-019B960494DF}">
-                <a14:hiddenLine xmlns:a14="http://schemas.microsoft.com/office/drawing/2010/main" xmlns="" w="9525">
+                <a14:hiddenLine xmlns="" xmlns:a14="http://schemas.microsoft.com/office/drawing/2010/main" w="9525">
                   <a:solidFill>
                     <a:srgbClr val="000000"/>
                   </a:solidFill>
@@ -3373,7 +3411,7 @@
             </a:ln>
             <a:extLst>
               <a:ext uri="{91240B29-F687-4f45-9708-019B960494DF}">
-                <a14:hiddenLine xmlns:a14="http://schemas.microsoft.com/office/drawing/2010/main" xmlns="" w="9525">
+                <a14:hiddenLine xmlns="" xmlns:a14="http://schemas.microsoft.com/office/drawing/2010/main" w="9525">
                   <a:solidFill>
                     <a:srgbClr val="000000"/>
                   </a:solidFill>
@@ -3435,7 +3473,7 @@
             </a:ln>
             <a:extLst>
               <a:ext uri="{91240B29-F687-4f45-9708-019B960494DF}">
-                <a14:hiddenLine xmlns:a14="http://schemas.microsoft.com/office/drawing/2010/main" xmlns="" w="9525">
+                <a14:hiddenLine xmlns="" xmlns:a14="http://schemas.microsoft.com/office/drawing/2010/main" w="9525">
                   <a:solidFill>
                     <a:srgbClr val="000000"/>
                   </a:solidFill>
@@ -3525,7 +3563,7 @@
             </a:ln>
             <a:extLst>
               <a:ext uri="{91240B29-F687-4f45-9708-019B960494DF}">
-                <a14:hiddenLine xmlns:a14="http://schemas.microsoft.com/office/drawing/2010/main" xmlns="" w="9525">
+                <a14:hiddenLine xmlns="" xmlns:a14="http://schemas.microsoft.com/office/drawing/2010/main" w="9525">
                   <a:solidFill>
                     <a:srgbClr val="000000"/>
                   </a:solidFill>
@@ -3615,7 +3653,7 @@
             </a:ln>
             <a:extLst>
               <a:ext uri="{91240B29-F687-4f45-9708-019B960494DF}">
-                <a14:hiddenLine xmlns:a14="http://schemas.microsoft.com/office/drawing/2010/main" xmlns="" w="9525">
+                <a14:hiddenLine xmlns="" xmlns:a14="http://schemas.microsoft.com/office/drawing/2010/main" w="9525">
                   <a:solidFill>
                     <a:srgbClr val="000000"/>
                   </a:solidFill>
@@ -3680,7 +3718,7 @@
             </a:ln>
             <a:extLst>
               <a:ext uri="{91240B29-F687-4f45-9708-019B960494DF}">
-                <a14:hiddenLine xmlns:a14="http://schemas.microsoft.com/office/drawing/2010/main" xmlns="" w="9525">
+                <a14:hiddenLine xmlns="" xmlns:a14="http://schemas.microsoft.com/office/drawing/2010/main" w="9525">
                   <a:solidFill>
                     <a:srgbClr val="000000"/>
                   </a:solidFill>
@@ -3742,7 +3780,7 @@
             </a:ln>
             <a:extLst>
               <a:ext uri="{91240B29-F687-4f45-9708-019B960494DF}">
-                <a14:hiddenLine xmlns:a14="http://schemas.microsoft.com/office/drawing/2010/main" xmlns="" w="9525">
+                <a14:hiddenLine xmlns="" xmlns:a14="http://schemas.microsoft.com/office/drawing/2010/main" w="9525">
                   <a:solidFill>
                     <a:srgbClr val="000000"/>
                   </a:solidFill>
@@ -3832,7 +3870,7 @@
             </a:ln>
             <a:extLst>
               <a:ext uri="{91240B29-F687-4f45-9708-019B960494DF}">
-                <a14:hiddenLine xmlns:a14="http://schemas.microsoft.com/office/drawing/2010/main" xmlns="" w="9525">
+                <a14:hiddenLine xmlns="" xmlns:a14="http://schemas.microsoft.com/office/drawing/2010/main" w="9525">
                   <a:solidFill>
                     <a:srgbClr val="000000"/>
                   </a:solidFill>
@@ -3922,7 +3960,7 @@
             </a:ln>
             <a:extLst>
               <a:ext uri="{91240B29-F687-4f45-9708-019B960494DF}">
-                <a14:hiddenLine xmlns:a14="http://schemas.microsoft.com/office/drawing/2010/main" xmlns="" w="9525">
+                <a14:hiddenLine xmlns="" xmlns:a14="http://schemas.microsoft.com/office/drawing/2010/main" w="9525">
                   <a:solidFill>
                     <a:srgbClr val="000000"/>
                   </a:solidFill>
@@ -3984,7 +4022,7 @@
             </a:ln>
             <a:extLst>
               <a:ext uri="{91240B29-F687-4f45-9708-019B960494DF}">
-                <a14:hiddenLine xmlns:a14="http://schemas.microsoft.com/office/drawing/2010/main" xmlns="" w="9525">
+                <a14:hiddenLine xmlns="" xmlns:a14="http://schemas.microsoft.com/office/drawing/2010/main" w="9525">
                   <a:solidFill>
                     <a:srgbClr val="000000"/>
                   </a:solidFill>
@@ -4104,7 +4142,7 @@
             </a:ln>
             <a:extLst>
               <a:ext uri="{91240B29-F687-4f45-9708-019B960494DF}">
-                <a14:hiddenLine xmlns:a14="http://schemas.microsoft.com/office/drawing/2010/main" xmlns="" w="9525">
+                <a14:hiddenLine xmlns="" xmlns:a14="http://schemas.microsoft.com/office/drawing/2010/main" w="9525">
                   <a:solidFill>
                     <a:srgbClr val="000000"/>
                   </a:solidFill>
@@ -4172,7 +4210,7 @@
             </a:ln>
             <a:extLst>
               <a:ext uri="{91240B29-F687-4f45-9708-019B960494DF}">
-                <a14:hiddenLine xmlns:a14="http://schemas.microsoft.com/office/drawing/2010/main" xmlns="" w="9525">
+                <a14:hiddenLine xmlns="" xmlns:a14="http://schemas.microsoft.com/office/drawing/2010/main" w="9525">
                   <a:solidFill>
                     <a:srgbClr val="000000"/>
                   </a:solidFill>
@@ -4262,7 +4300,7 @@
             </a:ln>
             <a:extLst>
               <a:ext uri="{91240B29-F687-4f45-9708-019B960494DF}">
-                <a14:hiddenLine xmlns:a14="http://schemas.microsoft.com/office/drawing/2010/main" xmlns="" w="9525">
+                <a14:hiddenLine xmlns="" xmlns:a14="http://schemas.microsoft.com/office/drawing/2010/main" w="9525">
                   <a:solidFill>
                     <a:srgbClr val="000000"/>
                   </a:solidFill>
@@ -4402,7 +4440,7 @@
           <a:p>
             <a:fld id="{48A87A34-81AB-432B-8DAE-1953F412C126}" type="datetimeFigureOut">
               <a:rPr lang="en-US" dirty="0"/>
-              <a:t>9/7/2017</a:t>
+              <a:t>9/8/2017</a:t>
             </a:fld>
             <a:endParaRPr lang="en-US" dirty="0"/>
           </a:p>
@@ -4664,7 +4702,7 @@
           <a:p>
             <a:fld id="{48A87A34-81AB-432B-8DAE-1953F412C126}" type="datetimeFigureOut">
               <a:rPr lang="en-US" dirty="0"/>
-              <a:t>9/7/2017</a:t>
+              <a:t>9/8/2017</a:t>
             </a:fld>
             <a:endParaRPr lang="en-US" dirty="0"/>
           </a:p>
@@ -4855,7 +4893,7 @@
           <a:p>
             <a:fld id="{48A87A34-81AB-432B-8DAE-1953F412C126}" type="datetimeFigureOut">
               <a:rPr lang="en-US" dirty="0"/>
-              <a:t>9/7/2017</a:t>
+              <a:t>9/8/2017</a:t>
             </a:fld>
             <a:endParaRPr lang="en-US" dirty="0"/>
           </a:p>
@@ -5113,7 +5151,7 @@
           <a:p>
             <a:fld id="{48A87A34-81AB-432B-8DAE-1953F412C126}" type="datetimeFigureOut">
               <a:rPr lang="en-US" dirty="0"/>
-              <a:t>9/7/2017</a:t>
+              <a:t>9/8/2017</a:t>
             </a:fld>
             <a:endParaRPr lang="en-US" dirty="0"/>
           </a:p>
@@ -5542,7 +5580,7 @@
           <a:p>
             <a:fld id="{48A87A34-81AB-432B-8DAE-1953F412C126}" type="datetimeFigureOut">
               <a:rPr lang="en-US" dirty="0"/>
-              <a:t>9/7/2017</a:t>
+              <a:t>9/8/2017</a:t>
             </a:fld>
             <a:endParaRPr lang="en-US" dirty="0"/>
           </a:p>
@@ -6083,7 +6121,7 @@
           <a:p>
             <a:fld id="{48A87A34-81AB-432B-8DAE-1953F412C126}" type="datetimeFigureOut">
               <a:rPr lang="en-US" dirty="0"/>
-              <a:t>9/7/2017</a:t>
+              <a:t>9/8/2017</a:t>
             </a:fld>
             <a:endParaRPr lang="en-US" dirty="0"/>
           </a:p>
@@ -6798,7 +6836,7 @@
           <a:p>
             <a:fld id="{48A87A34-81AB-432B-8DAE-1953F412C126}" type="datetimeFigureOut">
               <a:rPr lang="en-US" dirty="0"/>
-              <a:t>9/7/2017</a:t>
+              <a:t>9/8/2017</a:t>
             </a:fld>
             <a:endParaRPr lang="en-US" dirty="0"/>
           </a:p>
@@ -6963,7 +7001,7 @@
           <a:p>
             <a:fld id="{48A87A34-81AB-432B-8DAE-1953F412C126}" type="datetimeFigureOut">
               <a:rPr lang="en-US" dirty="0"/>
-              <a:t>9/7/2017</a:t>
+              <a:t>9/8/2017</a:t>
             </a:fld>
             <a:endParaRPr lang="en-US" dirty="0"/>
           </a:p>
@@ -7138,7 +7176,7 @@
           <a:p>
             <a:fld id="{48A87A34-81AB-432B-8DAE-1953F412C126}" type="datetimeFigureOut">
               <a:rPr lang="en-US" dirty="0"/>
-              <a:t>9/7/2017</a:t>
+              <a:t>9/8/2017</a:t>
             </a:fld>
             <a:endParaRPr lang="en-US" dirty="0"/>
           </a:p>
@@ -7303,7 +7341,7 @@
           <a:p>
             <a:fld id="{48A87A34-81AB-432B-8DAE-1953F412C126}" type="datetimeFigureOut">
               <a:rPr lang="en-US" dirty="0"/>
-              <a:t>9/7/2017</a:t>
+              <a:t>9/8/2017</a:t>
             </a:fld>
             <a:endParaRPr lang="en-US" dirty="0"/>
           </a:p>
@@ -7548,7 +7586,7 @@
           <a:p>
             <a:fld id="{48A87A34-81AB-432B-8DAE-1953F412C126}" type="datetimeFigureOut">
               <a:rPr lang="en-US" dirty="0"/>
-              <a:t>9/7/2017</a:t>
+              <a:t>9/8/2017</a:t>
             </a:fld>
             <a:endParaRPr lang="en-US" dirty="0"/>
           </a:p>
@@ -7775,7 +7813,7 @@
           <a:p>
             <a:fld id="{48A87A34-81AB-432B-8DAE-1953F412C126}" type="datetimeFigureOut">
               <a:rPr lang="en-US" dirty="0"/>
-              <a:t>9/7/2017</a:t>
+              <a:t>9/8/2017</a:t>
             </a:fld>
             <a:endParaRPr lang="en-US" dirty="0"/>
           </a:p>
@@ -8151,7 +8189,7 @@
           <a:p>
             <a:fld id="{48A87A34-81AB-432B-8DAE-1953F412C126}" type="datetimeFigureOut">
               <a:rPr lang="en-US" dirty="0"/>
-              <a:t>9/7/2017</a:t>
+              <a:t>9/8/2017</a:t>
             </a:fld>
             <a:endParaRPr lang="en-US" dirty="0"/>
           </a:p>
@@ -8264,7 +8302,7 @@
           <a:p>
             <a:fld id="{48A87A34-81AB-432B-8DAE-1953F412C126}" type="datetimeFigureOut">
               <a:rPr lang="en-US" dirty="0"/>
-              <a:t>9/7/2017</a:t>
+              <a:t>9/8/2017</a:t>
             </a:fld>
             <a:endParaRPr lang="en-US" dirty="0"/>
           </a:p>
@@ -8354,7 +8392,7 @@
           <a:p>
             <a:fld id="{48A87A34-81AB-432B-8DAE-1953F412C126}" type="datetimeFigureOut">
               <a:rPr lang="en-US" dirty="0"/>
-              <a:t>9/7/2017</a:t>
+              <a:t>9/8/2017</a:t>
             </a:fld>
             <a:endParaRPr lang="en-US" dirty="0"/>
           </a:p>
@@ -8598,7 +8636,7 @@
           <a:p>
             <a:fld id="{48A87A34-81AB-432B-8DAE-1953F412C126}" type="datetimeFigureOut">
               <a:rPr lang="en-US" dirty="0"/>
-              <a:t>9/7/2017</a:t>
+              <a:t>9/8/2017</a:t>
             </a:fld>
             <a:endParaRPr lang="en-US" dirty="0"/>
           </a:p>
@@ -8873,7 +8911,7 @@
           <a:p>
             <a:fld id="{48A87A34-81AB-432B-8DAE-1953F412C126}" type="datetimeFigureOut">
               <a:rPr lang="en-US" dirty="0"/>
-              <a:t>9/7/2017</a:t>
+              <a:t>9/8/2017</a:t>
             </a:fld>
             <a:endParaRPr lang="en-US" dirty="0"/>
           </a:p>
@@ -9008,7 +9046,7 @@
           <a:noFill/>
           <a:extLst>
             <a:ext uri="{909E8E84-426E-40dd-AFC4-6F175D3DCCD1}">
-              <a14:hiddenFill xmlns:a14="http://schemas.microsoft.com/office/drawing/2010/main" xmlns="">
+              <a14:hiddenFill xmlns="" xmlns:a14="http://schemas.microsoft.com/office/drawing/2010/main">
                 <a:solidFill>
                   <a:srgbClr val="FFFFFF"/>
                 </a:solidFill>
@@ -9082,7 +9120,7 @@
               </a:ln>
               <a:extLst>
                 <a:ext uri="{91240B29-F687-4f45-9708-019B960494DF}">
-                  <a14:hiddenLine xmlns:a14="http://schemas.microsoft.com/office/drawing/2010/main" xmlns="" w="9525">
+                  <a14:hiddenLine xmlns="" xmlns:a14="http://schemas.microsoft.com/office/drawing/2010/main" w="9525">
                     <a:solidFill>
                       <a:srgbClr val="000000"/>
                     </a:solidFill>
@@ -9172,7 +9210,7 @@
               </a:ln>
               <a:extLst>
                 <a:ext uri="{91240B29-F687-4f45-9708-019B960494DF}">
-                  <a14:hiddenLine xmlns:a14="http://schemas.microsoft.com/office/drawing/2010/main" xmlns="" w="9525">
+                  <a14:hiddenLine xmlns="" xmlns:a14="http://schemas.microsoft.com/office/drawing/2010/main" w="9525">
                     <a:solidFill>
                       <a:srgbClr val="000000"/>
                     </a:solidFill>
@@ -9262,7 +9300,7 @@
               </a:ln>
               <a:extLst>
                 <a:ext uri="{91240B29-F687-4f45-9708-019B960494DF}">
-                  <a14:hiddenLine xmlns:a14="http://schemas.microsoft.com/office/drawing/2010/main" xmlns="" w="9525">
+                  <a14:hiddenLine xmlns="" xmlns:a14="http://schemas.microsoft.com/office/drawing/2010/main" w="9525">
                     <a:solidFill>
                       <a:srgbClr val="000000"/>
                     </a:solidFill>
@@ -9324,7 +9362,7 @@
               </a:ln>
               <a:extLst>
                 <a:ext uri="{91240B29-F687-4f45-9708-019B960494DF}">
-                  <a14:hiddenLine xmlns:a14="http://schemas.microsoft.com/office/drawing/2010/main" xmlns="" w="9525">
+                  <a14:hiddenLine xmlns="" xmlns:a14="http://schemas.microsoft.com/office/drawing/2010/main" w="9525">
                     <a:solidFill>
                       <a:srgbClr val="000000"/>
                     </a:solidFill>
@@ -9414,7 +9452,7 @@
               </a:ln>
               <a:extLst>
                 <a:ext uri="{91240B29-F687-4f45-9708-019B960494DF}">
-                  <a14:hiddenLine xmlns:a14="http://schemas.microsoft.com/office/drawing/2010/main" xmlns="" w="9525">
+                  <a14:hiddenLine xmlns="" xmlns:a14="http://schemas.microsoft.com/office/drawing/2010/main" w="9525">
                     <a:solidFill>
                       <a:srgbClr val="000000"/>
                     </a:solidFill>
@@ -9476,7 +9514,7 @@
               </a:ln>
               <a:extLst>
                 <a:ext uri="{91240B29-F687-4f45-9708-019B960494DF}">
-                  <a14:hiddenLine xmlns:a14="http://schemas.microsoft.com/office/drawing/2010/main" xmlns="" w="9525">
+                  <a14:hiddenLine xmlns="" xmlns:a14="http://schemas.microsoft.com/office/drawing/2010/main" w="9525">
                     <a:solidFill>
                       <a:srgbClr val="000000"/>
                     </a:solidFill>
@@ -9538,7 +9576,7 @@
               </a:ln>
               <a:extLst>
                 <a:ext uri="{91240B29-F687-4f45-9708-019B960494DF}">
-                  <a14:hiddenLine xmlns:a14="http://schemas.microsoft.com/office/drawing/2010/main" xmlns="" w="9525">
+                  <a14:hiddenLine xmlns="" xmlns:a14="http://schemas.microsoft.com/office/drawing/2010/main" w="9525">
                     <a:solidFill>
                       <a:srgbClr val="000000"/>
                     </a:solidFill>
@@ -9628,7 +9666,7 @@
               </a:ln>
               <a:extLst>
                 <a:ext uri="{91240B29-F687-4f45-9708-019B960494DF}">
-                  <a14:hiddenLine xmlns:a14="http://schemas.microsoft.com/office/drawing/2010/main" xmlns="" w="9525">
+                  <a14:hiddenLine xmlns="" xmlns:a14="http://schemas.microsoft.com/office/drawing/2010/main" w="9525">
                     <a:solidFill>
                       <a:srgbClr val="000000"/>
                     </a:solidFill>
@@ -9718,7 +9756,7 @@
               </a:ln>
               <a:extLst>
                 <a:ext uri="{91240B29-F687-4f45-9708-019B960494DF}">
-                  <a14:hiddenLine xmlns:a14="http://schemas.microsoft.com/office/drawing/2010/main" xmlns="" w="9525">
+                  <a14:hiddenLine xmlns="" xmlns:a14="http://schemas.microsoft.com/office/drawing/2010/main" w="9525">
                     <a:solidFill>
                       <a:srgbClr val="000000"/>
                     </a:solidFill>
@@ -9780,7 +9818,7 @@
               </a:ln>
               <a:extLst>
                 <a:ext uri="{91240B29-F687-4f45-9708-019B960494DF}">
-                  <a14:hiddenLine xmlns:a14="http://schemas.microsoft.com/office/drawing/2010/main" xmlns="" w="9525">
+                  <a14:hiddenLine xmlns="" xmlns:a14="http://schemas.microsoft.com/office/drawing/2010/main" w="9525">
                     <a:solidFill>
                       <a:srgbClr val="000000"/>
                     </a:solidFill>
@@ -9890,7 +9928,7 @@
               </a:ln>
               <a:extLst>
                 <a:ext uri="{91240B29-F687-4f45-9708-019B960494DF}">
-                  <a14:hiddenLine xmlns:a14="http://schemas.microsoft.com/office/drawing/2010/main" xmlns="" w="9525">
+                  <a14:hiddenLine xmlns="" xmlns:a14="http://schemas.microsoft.com/office/drawing/2010/main" w="9525">
                     <a:solidFill>
                       <a:srgbClr val="000000"/>
                     </a:solidFill>
@@ -9974,7 +10012,7 @@
               </a:ln>
               <a:extLst>
                 <a:ext uri="{91240B29-F687-4f45-9708-019B960494DF}">
-                  <a14:hiddenLine xmlns:a14="http://schemas.microsoft.com/office/drawing/2010/main" xmlns="" w="9525">
+                  <a14:hiddenLine xmlns="" xmlns:a14="http://schemas.microsoft.com/office/drawing/2010/main" w="9525">
                     <a:solidFill>
                       <a:srgbClr val="000000"/>
                     </a:solidFill>
@@ -10036,7 +10074,7 @@
               </a:ln>
               <a:extLst>
                 <a:ext uri="{91240B29-F687-4f45-9708-019B960494DF}">
-                  <a14:hiddenLine xmlns:a14="http://schemas.microsoft.com/office/drawing/2010/main" xmlns="" w="9525">
+                  <a14:hiddenLine xmlns="" xmlns:a14="http://schemas.microsoft.com/office/drawing/2010/main" w="9525">
                     <a:solidFill>
                       <a:srgbClr val="000000"/>
                     </a:solidFill>
@@ -10098,7 +10136,7 @@
               </a:ln>
               <a:extLst>
                 <a:ext uri="{91240B29-F687-4f45-9708-019B960494DF}">
-                  <a14:hiddenLine xmlns:a14="http://schemas.microsoft.com/office/drawing/2010/main" xmlns="" w="9525">
+                  <a14:hiddenLine xmlns="" xmlns:a14="http://schemas.microsoft.com/office/drawing/2010/main" w="9525">
                     <a:solidFill>
                       <a:srgbClr val="000000"/>
                     </a:solidFill>
@@ -10188,7 +10226,7 @@
               </a:ln>
               <a:extLst>
                 <a:ext uri="{91240B29-F687-4f45-9708-019B960494DF}">
-                  <a14:hiddenLine xmlns:a14="http://schemas.microsoft.com/office/drawing/2010/main" xmlns="" w="9525">
+                  <a14:hiddenLine xmlns="" xmlns:a14="http://schemas.microsoft.com/office/drawing/2010/main" w="9525">
                     <a:solidFill>
                       <a:srgbClr val="000000"/>
                     </a:solidFill>
@@ -10222,7 +10260,7 @@
               </a:ln>
               <a:extLst>
                 <a:ext uri="{91240B29-F687-4f45-9708-019B960494DF}">
-                  <a14:hiddenLine xmlns:a14="http://schemas.microsoft.com/office/drawing/2010/main" xmlns="" w="9525">
+                  <a14:hiddenLine xmlns="" xmlns:a14="http://schemas.microsoft.com/office/drawing/2010/main" w="9525">
                     <a:solidFill>
                       <a:srgbClr val="000000"/>
                     </a:solidFill>
@@ -10287,7 +10325,7 @@
               </a:ln>
               <a:extLst>
                 <a:ext uri="{91240B29-F687-4f45-9708-019B960494DF}">
-                  <a14:hiddenLine xmlns:a14="http://schemas.microsoft.com/office/drawing/2010/main" xmlns="" w="9525">
+                  <a14:hiddenLine xmlns="" xmlns:a14="http://schemas.microsoft.com/office/drawing/2010/main" w="9525">
                     <a:solidFill>
                       <a:srgbClr val="000000"/>
                     </a:solidFill>
@@ -10377,7 +10415,7 @@
               </a:ln>
               <a:extLst>
                 <a:ext uri="{91240B29-F687-4f45-9708-019B960494DF}">
-                  <a14:hiddenLine xmlns:a14="http://schemas.microsoft.com/office/drawing/2010/main" xmlns="" w="9525">
+                  <a14:hiddenLine xmlns="" xmlns:a14="http://schemas.microsoft.com/office/drawing/2010/main" w="9525">
                     <a:solidFill>
                       <a:srgbClr val="000000"/>
                     </a:solidFill>
@@ -10439,7 +10477,7 @@
               </a:ln>
               <a:extLst>
                 <a:ext uri="{91240B29-F687-4f45-9708-019B960494DF}">
-                  <a14:hiddenLine xmlns:a14="http://schemas.microsoft.com/office/drawing/2010/main" xmlns="" w="9525">
+                  <a14:hiddenLine xmlns="" xmlns:a14="http://schemas.microsoft.com/office/drawing/2010/main" w="9525">
                     <a:solidFill>
                       <a:srgbClr val="000000"/>
                     </a:solidFill>
@@ -10529,7 +10567,7 @@
               </a:ln>
               <a:extLst>
                 <a:ext uri="{91240B29-F687-4f45-9708-019B960494DF}">
-                  <a14:hiddenLine xmlns:a14="http://schemas.microsoft.com/office/drawing/2010/main" xmlns="" w="9525">
+                  <a14:hiddenLine xmlns="" xmlns:a14="http://schemas.microsoft.com/office/drawing/2010/main" w="9525">
                     <a:solidFill>
                       <a:srgbClr val="000000"/>
                     </a:solidFill>
@@ -10594,7 +10632,7 @@
               </a:ln>
               <a:extLst>
                 <a:ext uri="{91240B29-F687-4f45-9708-019B960494DF}">
-                  <a14:hiddenLine xmlns:a14="http://schemas.microsoft.com/office/drawing/2010/main" xmlns="" w="9525">
+                  <a14:hiddenLine xmlns="" xmlns:a14="http://schemas.microsoft.com/office/drawing/2010/main" w="9525">
                     <a:solidFill>
                       <a:srgbClr val="000000"/>
                     </a:solidFill>
@@ -10656,7 +10694,7 @@
               </a:ln>
               <a:extLst>
                 <a:ext uri="{91240B29-F687-4f45-9708-019B960494DF}">
-                  <a14:hiddenLine xmlns:a14="http://schemas.microsoft.com/office/drawing/2010/main" xmlns="" w="9525">
+                  <a14:hiddenLine xmlns="" xmlns:a14="http://schemas.microsoft.com/office/drawing/2010/main" w="9525">
                     <a:solidFill>
                       <a:srgbClr val="000000"/>
                     </a:solidFill>
@@ -10746,7 +10784,7 @@
               </a:ln>
               <a:extLst>
                 <a:ext uri="{91240B29-F687-4f45-9708-019B960494DF}">
-                  <a14:hiddenLine xmlns:a14="http://schemas.microsoft.com/office/drawing/2010/main" xmlns="" w="9525">
+                  <a14:hiddenLine xmlns="" xmlns:a14="http://schemas.microsoft.com/office/drawing/2010/main" w="9525">
                     <a:solidFill>
                       <a:srgbClr val="000000"/>
                     </a:solidFill>
@@ -10836,7 +10874,7 @@
               </a:ln>
               <a:extLst>
                 <a:ext uri="{91240B29-F687-4f45-9708-019B960494DF}">
-                  <a14:hiddenLine xmlns:a14="http://schemas.microsoft.com/office/drawing/2010/main" xmlns="" w="9525">
+                  <a14:hiddenLine xmlns="" xmlns:a14="http://schemas.microsoft.com/office/drawing/2010/main" w="9525">
                     <a:solidFill>
                       <a:srgbClr val="000000"/>
                     </a:solidFill>
@@ -10901,7 +10939,7 @@
               </a:ln>
               <a:extLst>
                 <a:ext uri="{91240B29-F687-4f45-9708-019B960494DF}">
-                  <a14:hiddenLine xmlns:a14="http://schemas.microsoft.com/office/drawing/2010/main" xmlns="" w="9525">
+                  <a14:hiddenLine xmlns="" xmlns:a14="http://schemas.microsoft.com/office/drawing/2010/main" w="9525">
                     <a:solidFill>
                       <a:srgbClr val="000000"/>
                     </a:solidFill>
@@ -11021,7 +11059,7 @@
               </a:ln>
               <a:extLst>
                 <a:ext uri="{91240B29-F687-4f45-9708-019B960494DF}">
-                  <a14:hiddenLine xmlns:a14="http://schemas.microsoft.com/office/drawing/2010/main" xmlns="" w="9525">
+                  <a14:hiddenLine xmlns="" xmlns:a14="http://schemas.microsoft.com/office/drawing/2010/main" w="9525">
                     <a:solidFill>
                       <a:srgbClr val="000000"/>
                     </a:solidFill>
@@ -11119,7 +11157,7 @@
               </a:ln>
               <a:extLst>
                 <a:ext uri="{91240B29-F687-4f45-9708-019B960494DF}">
-                  <a14:hiddenLine xmlns:a14="http://schemas.microsoft.com/office/drawing/2010/main" xmlns="" w="9525">
+                  <a14:hiddenLine xmlns="" xmlns:a14="http://schemas.microsoft.com/office/drawing/2010/main" w="9525">
                     <a:solidFill>
                       <a:srgbClr val="000000"/>
                     </a:solidFill>
@@ -11234,7 +11272,7 @@
               </a:ln>
               <a:extLst>
                 <a:ext uri="{91240B29-F687-4f45-9708-019B960494DF}">
-                  <a14:hiddenLine xmlns:a14="http://schemas.microsoft.com/office/drawing/2010/main" xmlns="" w="9525">
+                  <a14:hiddenLine xmlns="" xmlns:a14="http://schemas.microsoft.com/office/drawing/2010/main" w="9525">
                     <a:solidFill>
                       <a:srgbClr val="000000"/>
                     </a:solidFill>
@@ -11324,7 +11362,7 @@
               </a:ln>
               <a:extLst>
                 <a:ext uri="{91240B29-F687-4f45-9708-019B960494DF}">
-                  <a14:hiddenLine xmlns:a14="http://schemas.microsoft.com/office/drawing/2010/main" xmlns="" w="9525">
+                  <a14:hiddenLine xmlns="" xmlns:a14="http://schemas.microsoft.com/office/drawing/2010/main" w="9525">
                     <a:solidFill>
                       <a:srgbClr val="000000"/>
                     </a:solidFill>
@@ -11389,7 +11427,7 @@
               </a:ln>
               <a:extLst>
                 <a:ext uri="{91240B29-F687-4f45-9708-019B960494DF}">
-                  <a14:hiddenLine xmlns:a14="http://schemas.microsoft.com/office/drawing/2010/main" xmlns="" w="9525">
+                  <a14:hiddenLine xmlns="" xmlns:a14="http://schemas.microsoft.com/office/drawing/2010/main" w="9525">
                     <a:solidFill>
                       <a:srgbClr val="000000"/>
                     </a:solidFill>
@@ -11479,7 +11517,7 @@
               </a:ln>
               <a:extLst>
                 <a:ext uri="{91240B29-F687-4f45-9708-019B960494DF}">
-                  <a14:hiddenLine xmlns:a14="http://schemas.microsoft.com/office/drawing/2010/main" xmlns="" w="9525">
+                  <a14:hiddenLine xmlns="" xmlns:a14="http://schemas.microsoft.com/office/drawing/2010/main" w="9525">
                     <a:solidFill>
                       <a:srgbClr val="000000"/>
                     </a:solidFill>
@@ -11547,7 +11585,7 @@
               </a:ln>
               <a:extLst>
                 <a:ext uri="{91240B29-F687-4f45-9708-019B960494DF}">
-                  <a14:hiddenLine xmlns:a14="http://schemas.microsoft.com/office/drawing/2010/main" xmlns="" w="9525">
+                  <a14:hiddenLine xmlns="" xmlns:a14="http://schemas.microsoft.com/office/drawing/2010/main" w="9525">
                     <a:solidFill>
                       <a:srgbClr val="000000"/>
                     </a:solidFill>
@@ -11637,7 +11675,7 @@
               </a:ln>
               <a:extLst>
                 <a:ext uri="{91240B29-F687-4f45-9708-019B960494DF}">
-                  <a14:hiddenLine xmlns:a14="http://schemas.microsoft.com/office/drawing/2010/main" xmlns="" w="9525">
+                  <a14:hiddenLine xmlns="" xmlns:a14="http://schemas.microsoft.com/office/drawing/2010/main" w="9525">
                     <a:solidFill>
                       <a:srgbClr val="000000"/>
                     </a:solidFill>
@@ -11705,7 +11743,7 @@
               </a:ln>
               <a:extLst>
                 <a:ext uri="{91240B29-F687-4f45-9708-019B960494DF}">
-                  <a14:hiddenLine xmlns:a14="http://schemas.microsoft.com/office/drawing/2010/main" xmlns="" w="9525">
+                  <a14:hiddenLine xmlns="" xmlns:a14="http://schemas.microsoft.com/office/drawing/2010/main" w="9525">
                     <a:solidFill>
                       <a:srgbClr val="000000"/>
                     </a:solidFill>
@@ -11795,7 +11833,7 @@
               </a:ln>
               <a:extLst>
                 <a:ext uri="{91240B29-F687-4f45-9708-019B960494DF}">
-                  <a14:hiddenLine xmlns:a14="http://schemas.microsoft.com/office/drawing/2010/main" xmlns="" w="9525">
+                  <a14:hiddenLine xmlns="" xmlns:a14="http://schemas.microsoft.com/office/drawing/2010/main" w="9525">
                     <a:solidFill>
                       <a:srgbClr val="000000"/>
                     </a:solidFill>
@@ -11829,7 +11867,7 @@
               </a:ln>
               <a:extLst>
                 <a:ext uri="{91240B29-F687-4f45-9708-019B960494DF}">
-                  <a14:hiddenLine xmlns:a14="http://schemas.microsoft.com/office/drawing/2010/main" xmlns="" w="9525">
+                  <a14:hiddenLine xmlns="" xmlns:a14="http://schemas.microsoft.com/office/drawing/2010/main" w="9525">
                     <a:solidFill>
                       <a:srgbClr val="000000"/>
                     </a:solidFill>
@@ -11970,7 +12008,7 @@
             <a:fld id="{48A87A34-81AB-432B-8DAE-1953F412C126}" type="datetimeFigureOut">
               <a:rPr lang="en-US" dirty="0"/>
               <a:pPr/>
-              <a:t>9/7/2017</a:t>
+              <a:t>9/8/2017</a:t>
             </a:fld>
             <a:endParaRPr lang="en-US" dirty="0"/>
           </a:p>
@@ -12566,7 +12604,7 @@
                   <a:schemeClr val="bg1"/>
                 </a:solidFill>
               </a:rPr>
-              <a:t>2015011xxx</a:t>
+              <a:t>2015011512</a:t>
             </a:r>
             <a:r>
               <a:rPr lang="zh-CN" altLang="en-US" dirty="0">
@@ -12647,6 +12685,98 @@
     <p:extLst>
       <p:ext uri="{BB962C8B-B14F-4D97-AF65-F5344CB8AC3E}">
         <p14:creationId xmlns:p14="http://schemas.microsoft.com/office/powerpoint/2010/main" val="4024085894"/>
+      </p:ext>
+    </p:extLst>
+  </p:cSld>
+  <p:clrMapOvr>
+    <a:masterClrMapping/>
+  </p:clrMapOvr>
+</p:sld>
+</file>
+
+<file path=ppt/slides/slide10.xml><?xml version="1.0" encoding="utf-8"?>
+<p:sld xmlns:a="http://schemas.openxmlformats.org/drawingml/2006/main" xmlns:r="http://schemas.openxmlformats.org/officeDocument/2006/relationships" xmlns:p="http://schemas.openxmlformats.org/presentationml/2006/main">
+  <p:cSld>
+    <p:spTree>
+      <p:nvGrpSpPr>
+        <p:cNvPr id="1" name=""/>
+        <p:cNvGrpSpPr/>
+        <p:nvPr/>
+      </p:nvGrpSpPr>
+      <p:grpSpPr>
+        <a:xfrm>
+          <a:off x="0" y="0"/>
+          <a:ext cx="0" cy="0"/>
+          <a:chOff x="0" y="0"/>
+          <a:chExt cx="0" cy="0"/>
+        </a:xfrm>
+      </p:grpSpPr>
+      <p:sp>
+        <p:nvSpPr>
+          <p:cNvPr id="2" name="标题 1">
+            <a:extLst>
+              <a:ext uri="{FF2B5EF4-FFF2-40B4-BE49-F238E27FC236}">
+                <a16:creationId xmlns:a16="http://schemas.microsoft.com/office/drawing/2014/main" id="{87DC9309-1DE9-4675-ABDB-CC7226747B86}"/>
+              </a:ext>
+            </a:extLst>
+          </p:cNvPr>
+          <p:cNvSpPr>
+            <a:spLocks noGrp="1"/>
+          </p:cNvSpPr>
+          <p:nvPr>
+            <p:ph type="title"/>
+          </p:nvPr>
+        </p:nvSpPr>
+        <p:spPr/>
+        <p:txBody>
+          <a:bodyPr/>
+          <a:lstStyle/>
+          <a:p>
+            <a:r>
+              <a:rPr lang="en-US" altLang="zh-CN" dirty="0">
+                <a:solidFill>
+                  <a:schemeClr val="bg1"/>
+                </a:solidFill>
+              </a:rPr>
+              <a:t>More Photos</a:t>
+            </a:r>
+            <a:endParaRPr lang="zh-CN" altLang="en-US" dirty="0">
+              <a:solidFill>
+                <a:schemeClr val="bg1"/>
+              </a:solidFill>
+            </a:endParaRPr>
+          </a:p>
+        </p:txBody>
+      </p:sp>
+      <p:sp>
+        <p:nvSpPr>
+          <p:cNvPr id="3" name="内容占位符 2">
+            <a:extLst>
+              <a:ext uri="{FF2B5EF4-FFF2-40B4-BE49-F238E27FC236}">
+                <a16:creationId xmlns:a16="http://schemas.microsoft.com/office/drawing/2014/main" id="{2357C7A0-85BB-4C4B-A8DC-BB7FF86A1FE2}"/>
+              </a:ext>
+            </a:extLst>
+          </p:cNvPr>
+          <p:cNvSpPr>
+            <a:spLocks noGrp="1"/>
+          </p:cNvSpPr>
+          <p:nvPr>
+            <p:ph idx="1"/>
+          </p:nvPr>
+        </p:nvSpPr>
+        <p:spPr/>
+        <p:txBody>
+          <a:bodyPr/>
+          <a:lstStyle/>
+          <a:p>
+            <a:endParaRPr lang="zh-CN" altLang="en-US" dirty="0"/>
+          </a:p>
+        </p:txBody>
+      </p:sp>
+    </p:spTree>
+    <p:extLst>
+      <p:ext uri="{BB962C8B-B14F-4D97-AF65-F5344CB8AC3E}">
+        <p14:creationId xmlns:p14="http://schemas.microsoft.com/office/powerpoint/2010/main" val="2796467881"/>
       </p:ext>
     </p:extLst>
   </p:cSld>
@@ -12700,17 +12830,33 @@
           <a:lstStyle/>
           <a:p>
             <a:r>
-              <a:rPr lang="en-US" altLang="zh-CN" cap="none" dirty="0"/>
+              <a:rPr lang="en-US" altLang="zh-CN" cap="none" dirty="0">
+                <a:solidFill>
+                  <a:schemeClr val="bg1"/>
+                </a:solidFill>
+              </a:rPr>
               <a:t>A dream of standing balance </a:t>
             </a:r>
             <a:br>
-              <a:rPr lang="en-US" altLang="zh-CN" cap="none" dirty="0"/>
+              <a:rPr lang="en-US" altLang="zh-CN" cap="none" dirty="0">
+                <a:solidFill>
+                  <a:schemeClr val="bg1"/>
+                </a:solidFill>
+              </a:rPr>
             </a:br>
             <a:r>
-              <a:rPr lang="en-US" altLang="zh-CN" cap="none" dirty="0"/>
-              <a:t>with two wheels, even fewer…</a:t>
+              <a:rPr lang="en-US" altLang="zh-CN" cap="none" dirty="0">
+                <a:solidFill>
+                  <a:schemeClr val="bg1"/>
+                </a:solidFill>
+              </a:rPr>
+              <a:t>on two wheels, even fewer…</a:t>
             </a:r>
-            <a:endParaRPr lang="zh-CN" altLang="en-US" cap="none" dirty="0"/>
+            <a:endParaRPr lang="zh-CN" altLang="en-US" cap="none" dirty="0">
+              <a:solidFill>
+                <a:schemeClr val="bg1"/>
+              </a:solidFill>
+            </a:endParaRPr>
           </a:p>
         </p:txBody>
       </p:sp>
@@ -12738,8 +12884,8 @@
         </p:blipFill>
         <p:spPr>
           <a:xfrm>
-            <a:off x="633127" y="2306050"/>
-            <a:ext cx="2777813" cy="3541712"/>
+            <a:off x="533596" y="2306050"/>
+            <a:ext cx="2419556" cy="3084934"/>
           </a:xfrm>
         </p:spPr>
       </p:pic>
@@ -12765,8 +12911,8 @@
         </p:blipFill>
         <p:spPr>
           <a:xfrm>
-            <a:off x="3573450" y="2306050"/>
-            <a:ext cx="3541712" cy="3541712"/>
+            <a:off x="3156702" y="2306050"/>
+            <a:ext cx="3084934" cy="3084934"/>
           </a:xfrm>
           <a:prstGeom prst="rect">
             <a:avLst/>
@@ -12787,8 +12933,8 @@
         </p:nvSpPr>
         <p:spPr>
           <a:xfrm>
-            <a:off x="7779025" y="2306050"/>
-            <a:ext cx="3806025" cy="3416320"/>
+            <a:off x="6445186" y="5169070"/>
+            <a:ext cx="3806025" cy="1200329"/>
           </a:xfrm>
           <a:prstGeom prst="rect">
             <a:avLst/>
@@ -12808,27 +12954,7 @@
                 <a:latin typeface="华文宋体" panose="02010600040101010101" pitchFamily="2" charset="-122"/>
                 <a:ea typeface="华文宋体" panose="02010600040101010101" pitchFamily="2" charset="-122"/>
               </a:rPr>
-              <a:t>A 2 wheel (axis-inline) powered vehicle that balances both rider and itself based on rider</a:t>
-            </a:r>
-            <a:r>
-              <a:rPr lang="en-US" altLang="zh-CN" dirty="0">
-                <a:solidFill>
-                  <a:schemeClr val="bg1"/>
-                </a:solidFill>
-                <a:latin typeface="华文宋体" panose="02010600040101010101" pitchFamily="2" charset="-122"/>
-                <a:ea typeface="华文宋体" panose="02010600040101010101" pitchFamily="2" charset="-122"/>
-              </a:rPr>
-              <a:t>'</a:t>
-            </a:r>
-            <a:r>
-              <a:rPr lang="zh-CN" altLang="en-US" dirty="0">
-                <a:solidFill>
-                  <a:schemeClr val="bg1"/>
-                </a:solidFill>
-                <a:latin typeface="华文宋体" panose="02010600040101010101" pitchFamily="2" charset="-122"/>
-                <a:ea typeface="华文宋体" panose="02010600040101010101" pitchFamily="2" charset="-122"/>
-              </a:rPr>
-              <a:t>s leaning action </a:t>
+              <a:t>自平衡车是一种轴向直列的两轮车，通过测量倾角和倾斜速率，并给电机发送相应控制信号，来达到平衡。</a:t>
             </a:r>
             <a:endParaRPr lang="en-US" altLang="zh-CN" dirty="0">
               <a:solidFill>
@@ -12847,82 +12973,109 @@
               <a:ea typeface="华文宋体" panose="02010600040101010101" pitchFamily="2" charset="-122"/>
             </a:endParaRPr>
           </a:p>
+        </p:txBody>
+      </p:sp>
+      <p:sp>
+        <p:nvSpPr>
+          <p:cNvPr id="3" name="矩形 2">
+            <a:extLst>
+              <a:ext uri="{FF2B5EF4-FFF2-40B4-BE49-F238E27FC236}">
+                <a16:creationId xmlns:a16="http://schemas.microsoft.com/office/drawing/2014/main" id="{240E8839-45C4-4A27-B648-D5832927679A}"/>
+              </a:ext>
+            </a:extLst>
+          </p:cNvPr>
+          <p:cNvSpPr/>
+          <p:nvPr/>
+        </p:nvSpPr>
+        <p:spPr>
+          <a:xfrm>
+            <a:off x="4783569" y="6369399"/>
+            <a:ext cx="7199046" cy="369332"/>
+          </a:xfrm>
+          <a:prstGeom prst="rect">
+            <a:avLst/>
+          </a:prstGeom>
+        </p:spPr>
+        <p:txBody>
+          <a:bodyPr wrap="square">
+            <a:spAutoFit/>
+          </a:bodyPr>
+          <a:lstStyle/>
           <a:p>
             <a:r>
-              <a:rPr lang="zh-CN" altLang="en-US">
+              <a:rPr lang="zh-CN" altLang="en-US" dirty="0"/>
+              <a:t>http://www.ntu.edu.sg/home/mffyap/web/docs/Selfbalancingscooter.pdf</a:t>
+            </a:r>
+          </a:p>
+        </p:txBody>
+      </p:sp>
+      <p:pic>
+        <p:nvPicPr>
+          <p:cNvPr id="4" name="图片 3">
+            <a:extLst>
+              <a:ext uri="{FF2B5EF4-FFF2-40B4-BE49-F238E27FC236}">
+                <a16:creationId xmlns:a16="http://schemas.microsoft.com/office/drawing/2014/main" id="{818C6800-A1C7-43BC-A09C-DF5089A6AA0D}"/>
+              </a:ext>
+            </a:extLst>
+          </p:cNvPr>
+          <p:cNvPicPr>
+            <a:picLocks noChangeAspect="1"/>
+          </p:cNvPicPr>
+          <p:nvPr/>
+        </p:nvPicPr>
+        <p:blipFill>
+          <a:blip r:embed="rId4"/>
+          <a:stretch>
+            <a:fillRect/>
+          </a:stretch>
+        </p:blipFill>
+        <p:spPr>
+          <a:xfrm>
+            <a:off x="6445186" y="2300846"/>
+            <a:ext cx="5619249" cy="2664466"/>
+          </a:xfrm>
+          <a:prstGeom prst="rect">
+            <a:avLst/>
+          </a:prstGeom>
+        </p:spPr>
+      </p:pic>
+      <p:sp>
+        <p:nvSpPr>
+          <p:cNvPr id="6" name="文本框 5">
+            <a:extLst>
+              <a:ext uri="{FF2B5EF4-FFF2-40B4-BE49-F238E27FC236}">
+                <a16:creationId xmlns:a16="http://schemas.microsoft.com/office/drawing/2014/main" id="{937FA92C-75B5-490C-8A6E-38664FCC1B2E}"/>
+              </a:ext>
+            </a:extLst>
+          </p:cNvPr>
+          <p:cNvSpPr txBox="1"/>
+          <p:nvPr/>
+        </p:nvSpPr>
+        <p:spPr>
+          <a:xfrm>
+            <a:off x="8142135" y="675473"/>
+            <a:ext cx="3522428" cy="923330"/>
+          </a:xfrm>
+          <a:prstGeom prst="rect">
+            <a:avLst/>
+          </a:prstGeom>
+          <a:noFill/>
+        </p:spPr>
+        <p:txBody>
+          <a:bodyPr wrap="square" rtlCol="0">
+            <a:spAutoFit/>
+          </a:bodyPr>
+          <a:lstStyle/>
+          <a:p>
+            <a:r>
+              <a:rPr lang="zh-CN" altLang="en-US" sz="5400" dirty="0">
                 <a:solidFill>
-                  <a:schemeClr val="bg1"/>
+                  <a:srgbClr val="FF0000"/>
                 </a:solidFill>
-                <a:latin typeface="华文宋体" panose="02010600040101010101" pitchFamily="2" charset="-122"/>
-                <a:ea typeface="华文宋体" panose="02010600040101010101" pitchFamily="2" charset="-122"/>
+                <a:latin typeface="微软雅黑 Light" panose="020B0502040204020203" pitchFamily="34" charset="-122"/>
+                <a:ea typeface="微软雅黑 Light" panose="020B0502040204020203" pitchFamily="34" charset="-122"/>
               </a:rPr>
-              <a:t>自平衡车是一种轴向直列的两轮车，通过</a:t>
-            </a:r>
-            <a:endParaRPr lang="en-US" altLang="zh-CN" dirty="0">
-              <a:solidFill>
-                <a:schemeClr val="bg1"/>
-              </a:solidFill>
-              <a:latin typeface="华文宋体" panose="02010600040101010101" pitchFamily="2" charset="-122"/>
-              <a:ea typeface="华文宋体" panose="02010600040101010101" pitchFamily="2" charset="-122"/>
-            </a:endParaRPr>
-          </a:p>
-          <a:p>
-            <a:endParaRPr lang="en-US" altLang="zh-CN" dirty="0">
-              <a:solidFill>
-                <a:schemeClr val="bg1"/>
-              </a:solidFill>
-              <a:latin typeface="华文宋体" panose="02010600040101010101" pitchFamily="2" charset="-122"/>
-              <a:ea typeface="华文宋体" panose="02010600040101010101" pitchFamily="2" charset="-122"/>
-            </a:endParaRPr>
-          </a:p>
-          <a:p>
-            <a:r>
-              <a:rPr lang="zh-CN" altLang="en-US" dirty="0">
-                <a:solidFill>
-                  <a:schemeClr val="bg1"/>
-                </a:solidFill>
-                <a:latin typeface="华文宋体" panose="02010600040101010101" pitchFamily="2" charset="-122"/>
-                <a:ea typeface="华文宋体" panose="02010600040101010101" pitchFamily="2" charset="-122"/>
-              </a:rPr>
-              <a:t>How does it balance? </a:t>
-            </a:r>
-            <a:endParaRPr lang="en-US" altLang="zh-CN" dirty="0">
-              <a:solidFill>
-                <a:schemeClr val="bg1"/>
-              </a:solidFill>
-              <a:latin typeface="华文宋体" panose="02010600040101010101" pitchFamily="2" charset="-122"/>
-              <a:ea typeface="华文宋体" panose="02010600040101010101" pitchFamily="2" charset="-122"/>
-            </a:endParaRPr>
-          </a:p>
-          <a:p>
-            <a:r>
-              <a:rPr lang="zh-CN" altLang="en-US" dirty="0">
-                <a:solidFill>
-                  <a:schemeClr val="bg1"/>
-                </a:solidFill>
-                <a:latin typeface="华文宋体" panose="02010600040101010101" pitchFamily="2" charset="-122"/>
-                <a:ea typeface="华文宋体" panose="02010600040101010101" pitchFamily="2" charset="-122"/>
-              </a:rPr>
-              <a:t>–Sensors measure the pitching angle and rate </a:t>
-            </a:r>
-            <a:endParaRPr lang="en-US" altLang="zh-CN" dirty="0">
-              <a:solidFill>
-                <a:schemeClr val="bg1"/>
-              </a:solidFill>
-              <a:latin typeface="华文宋体" panose="02010600040101010101" pitchFamily="2" charset="-122"/>
-              <a:ea typeface="华文宋体" panose="02010600040101010101" pitchFamily="2" charset="-122"/>
-            </a:endParaRPr>
-          </a:p>
-          <a:p>
-            <a:r>
-              <a:rPr lang="zh-CN" altLang="en-US" dirty="0">
-                <a:solidFill>
-                  <a:schemeClr val="bg1"/>
-                </a:solidFill>
-                <a:latin typeface="华文宋体" panose="02010600040101010101" pitchFamily="2" charset="-122"/>
-                <a:ea typeface="华文宋体" panose="02010600040101010101" pitchFamily="2" charset="-122"/>
-              </a:rPr>
-              <a:t>–Signals are sent to motors to drive them accordingly </a:t>
+              <a:t>创新实验</a:t>
             </a:r>
           </a:p>
         </p:txBody>
@@ -12996,10 +13149,1162 @@
       </p:sp>
       <p:sp>
         <p:nvSpPr>
+          <p:cNvPr id="44" name="弧形 43">
+            <a:extLst>
+              <a:ext uri="{FF2B5EF4-FFF2-40B4-BE49-F238E27FC236}">
+                <a16:creationId xmlns:a16="http://schemas.microsoft.com/office/drawing/2014/main" id="{121175D6-7F83-454C-8F42-A3A53823B7B7}"/>
+              </a:ext>
+            </a:extLst>
+          </p:cNvPr>
+          <p:cNvSpPr/>
+          <p:nvPr/>
+        </p:nvSpPr>
+        <p:spPr>
+          <a:xfrm rot="18507273" flipV="1">
+            <a:off x="7016745" y="2078992"/>
+            <a:ext cx="4259808" cy="3953735"/>
+          </a:xfrm>
+          <a:prstGeom prst="arc">
+            <a:avLst>
+              <a:gd name="adj1" fmla="val 16329664"/>
+              <a:gd name="adj2" fmla="val 0"/>
+            </a:avLst>
+          </a:prstGeom>
+          <a:ln w="9525" cap="flat" cmpd="sng" algn="ctr">
+            <a:solidFill>
+              <a:schemeClr val="dk1"/>
+            </a:solidFill>
+            <a:prstDash val="solid"/>
+            <a:round/>
+            <a:headEnd type="none" w="med" len="med"/>
+            <a:tailEnd type="arrow" w="med" len="med"/>
+          </a:ln>
+        </p:spPr>
+        <p:style>
+          <a:lnRef idx="0">
+            <a:scrgbClr r="0" g="0" b="0"/>
+          </a:lnRef>
+          <a:fillRef idx="0">
+            <a:scrgbClr r="0" g="0" b="0"/>
+          </a:fillRef>
+          <a:effectRef idx="0">
+            <a:scrgbClr r="0" g="0" b="0"/>
+          </a:effectRef>
+          <a:fontRef idx="minor">
+            <a:schemeClr val="tx1"/>
+          </a:fontRef>
+        </p:style>
+        <p:txBody>
+          <a:bodyPr rtlCol="0" anchor="ctr"/>
+          <a:lstStyle/>
+          <a:p>
+            <a:pPr algn="ctr"/>
+            <a:endParaRPr lang="zh-CN" altLang="en-US"/>
+          </a:p>
+        </p:txBody>
+      </p:sp>
+      <p:grpSp>
+        <p:nvGrpSpPr>
+          <p:cNvPr id="49" name="组合 48">
+            <a:extLst>
+              <a:ext uri="{FF2B5EF4-FFF2-40B4-BE49-F238E27FC236}">
+                <a16:creationId xmlns:a16="http://schemas.microsoft.com/office/drawing/2014/main" id="{1203862C-8432-4142-85AC-0BD44571E341}"/>
+              </a:ext>
+            </a:extLst>
+          </p:cNvPr>
+          <p:cNvGrpSpPr/>
+          <p:nvPr/>
+        </p:nvGrpSpPr>
+        <p:grpSpPr>
+          <a:xfrm>
+            <a:off x="785177" y="2028909"/>
+            <a:ext cx="10916081" cy="3952527"/>
+            <a:chOff x="785177" y="2028909"/>
+            <a:chExt cx="10916081" cy="3952527"/>
+          </a:xfrm>
+        </p:grpSpPr>
+        <p:sp>
+          <p:nvSpPr>
+            <p:cNvPr id="4" name="矩形: 圆角 3">
+              <a:extLst>
+                <a:ext uri="{FF2B5EF4-FFF2-40B4-BE49-F238E27FC236}">
+                  <a16:creationId xmlns:a16="http://schemas.microsoft.com/office/drawing/2014/main" id="{DEA1FFF7-08AA-4B27-B6DF-C2D55B4041E4}"/>
+                </a:ext>
+              </a:extLst>
+            </p:cNvPr>
+            <p:cNvSpPr/>
+            <p:nvPr/>
+          </p:nvSpPr>
+          <p:spPr>
+            <a:xfrm>
+              <a:off x="8030817" y="3466768"/>
+              <a:ext cx="2218414" cy="1144988"/>
+            </a:xfrm>
+            <a:prstGeom prst="roundRect">
+              <a:avLst/>
+            </a:prstGeom>
+          </p:spPr>
+          <p:style>
+            <a:lnRef idx="2">
+              <a:schemeClr val="accent1">
+                <a:shade val="50000"/>
+              </a:schemeClr>
+            </a:lnRef>
+            <a:fillRef idx="1">
+              <a:schemeClr val="accent1"/>
+            </a:fillRef>
+            <a:effectRef idx="0">
+              <a:schemeClr val="accent1"/>
+            </a:effectRef>
+            <a:fontRef idx="minor">
+              <a:schemeClr val="lt1"/>
+            </a:fontRef>
+          </p:style>
+          <p:txBody>
+            <a:bodyPr rtlCol="0" anchor="ctr"/>
+            <a:lstStyle/>
+            <a:p>
+              <a:pPr algn="ctr"/>
+              <a:r>
+                <a:rPr lang="zh-CN" altLang="en-US" sz="2400" dirty="0">
+                  <a:solidFill>
+                    <a:schemeClr val="bg1"/>
+                  </a:solidFill>
+                  <a:latin typeface="微软雅黑 Light" panose="020B0502040204020203" pitchFamily="34" charset="-122"/>
+                  <a:ea typeface="微软雅黑 Light" panose="020B0502040204020203" pitchFamily="34" charset="-122"/>
+                </a:rPr>
+                <a:t>主控</a:t>
+              </a:r>
+              <a:r>
+                <a:rPr lang="en-US" altLang="zh-CN" sz="2400" dirty="0" err="1">
+                  <a:solidFill>
+                    <a:schemeClr val="bg1"/>
+                  </a:solidFill>
+                  <a:latin typeface="微软雅黑 Light" panose="020B0502040204020203" pitchFamily="34" charset="-122"/>
+                  <a:ea typeface="微软雅黑 Light" panose="020B0502040204020203" pitchFamily="34" charset="-122"/>
+                </a:rPr>
+                <a:t>PSoC</a:t>
+              </a:r>
+              <a:endParaRPr lang="en-US" altLang="zh-CN" sz="2400" dirty="0">
+                <a:solidFill>
+                  <a:schemeClr val="bg1"/>
+                </a:solidFill>
+                <a:latin typeface="微软雅黑 Light" panose="020B0502040204020203" pitchFamily="34" charset="-122"/>
+                <a:ea typeface="微软雅黑 Light" panose="020B0502040204020203" pitchFamily="34" charset="-122"/>
+              </a:endParaRPr>
+            </a:p>
+            <a:p>
+              <a:pPr algn="ctr"/>
+              <a:r>
+                <a:rPr lang="zh-CN" altLang="en-US" sz="2400" dirty="0">
+                  <a:solidFill>
+                    <a:schemeClr val="bg1"/>
+                  </a:solidFill>
+                  <a:latin typeface="微软雅黑 Light" panose="020B0502040204020203" pitchFamily="34" charset="-122"/>
+                  <a:ea typeface="微软雅黑 Light" panose="020B0502040204020203" pitchFamily="34" charset="-122"/>
+                </a:rPr>
+                <a:t>（</a:t>
+              </a:r>
+              <a:r>
+                <a:rPr lang="en-US" altLang="zh-CN" sz="2400" dirty="0">
+                  <a:solidFill>
+                    <a:schemeClr val="bg1"/>
+                  </a:solidFill>
+                  <a:latin typeface="微软雅黑 Light" panose="020B0502040204020203" pitchFamily="34" charset="-122"/>
+                  <a:ea typeface="微软雅黑 Light" panose="020B0502040204020203" pitchFamily="34" charset="-122"/>
+                </a:rPr>
+                <a:t>PID</a:t>
+              </a:r>
+              <a:r>
+                <a:rPr lang="zh-CN" altLang="en-US" sz="2400" dirty="0">
+                  <a:solidFill>
+                    <a:schemeClr val="bg1"/>
+                  </a:solidFill>
+                  <a:latin typeface="微软雅黑 Light" panose="020B0502040204020203" pitchFamily="34" charset="-122"/>
+                  <a:ea typeface="微软雅黑 Light" panose="020B0502040204020203" pitchFamily="34" charset="-122"/>
+                </a:rPr>
+                <a:t>控制器）</a:t>
+              </a:r>
+            </a:p>
+          </p:txBody>
+        </p:sp>
+        <p:sp>
+          <p:nvSpPr>
+            <p:cNvPr id="5" name="矩形: 圆角 4">
+              <a:extLst>
+                <a:ext uri="{FF2B5EF4-FFF2-40B4-BE49-F238E27FC236}">
+                  <a16:creationId xmlns:a16="http://schemas.microsoft.com/office/drawing/2014/main" id="{816E9FF7-D19E-4618-9CF2-C17FA8D2D060}"/>
+                </a:ext>
+              </a:extLst>
+            </p:cNvPr>
+            <p:cNvSpPr/>
+            <p:nvPr/>
+          </p:nvSpPr>
+          <p:spPr>
+            <a:xfrm>
+              <a:off x="8098403" y="2028909"/>
+              <a:ext cx="2083242" cy="714291"/>
+            </a:xfrm>
+            <a:prstGeom prst="roundRect">
+              <a:avLst/>
+            </a:prstGeom>
+          </p:spPr>
+          <p:style>
+            <a:lnRef idx="2">
+              <a:schemeClr val="accent1">
+                <a:shade val="50000"/>
+              </a:schemeClr>
+            </a:lnRef>
+            <a:fillRef idx="1">
+              <a:schemeClr val="accent1"/>
+            </a:fillRef>
+            <a:effectRef idx="0">
+              <a:schemeClr val="accent1"/>
+            </a:effectRef>
+            <a:fontRef idx="minor">
+              <a:schemeClr val="lt1"/>
+            </a:fontRef>
+          </p:style>
+          <p:txBody>
+            <a:bodyPr rtlCol="0" anchor="ctr"/>
+            <a:lstStyle/>
+            <a:p>
+              <a:pPr algn="ctr"/>
+              <a:r>
+                <a:rPr lang="zh-CN" altLang="en-US" dirty="0">
+                  <a:solidFill>
+                    <a:schemeClr val="bg1"/>
+                  </a:solidFill>
+                  <a:latin typeface="微软雅黑 Light" panose="020B0502040204020203" pitchFamily="34" charset="-122"/>
+                  <a:ea typeface="微软雅黑 Light" panose="020B0502040204020203" pitchFamily="34" charset="-122"/>
+                </a:rPr>
+                <a:t>红外测距传感器</a:t>
+              </a:r>
+            </a:p>
+          </p:txBody>
+        </p:sp>
+        <p:sp>
+          <p:nvSpPr>
+            <p:cNvPr id="6" name="矩形: 圆角 5">
+              <a:extLst>
+                <a:ext uri="{FF2B5EF4-FFF2-40B4-BE49-F238E27FC236}">
+                  <a16:creationId xmlns:a16="http://schemas.microsoft.com/office/drawing/2014/main" id="{A7EEBA47-C5B4-449D-94BE-EAC446185DC1}"/>
+                </a:ext>
+              </a:extLst>
+            </p:cNvPr>
+            <p:cNvSpPr/>
+            <p:nvPr/>
+          </p:nvSpPr>
+          <p:spPr>
+            <a:xfrm>
+              <a:off x="7714752" y="5344601"/>
+              <a:ext cx="2850544" cy="636835"/>
+            </a:xfrm>
+            <a:prstGeom prst="roundRect">
+              <a:avLst/>
+            </a:prstGeom>
+          </p:spPr>
+          <p:style>
+            <a:lnRef idx="2">
+              <a:schemeClr val="accent1">
+                <a:shade val="50000"/>
+              </a:schemeClr>
+            </a:lnRef>
+            <a:fillRef idx="1">
+              <a:schemeClr val="accent1"/>
+            </a:fillRef>
+            <a:effectRef idx="0">
+              <a:schemeClr val="accent1"/>
+            </a:effectRef>
+            <a:fontRef idx="minor">
+              <a:schemeClr val="lt1"/>
+            </a:fontRef>
+          </p:style>
+          <p:txBody>
+            <a:bodyPr rtlCol="0" anchor="ctr"/>
+            <a:lstStyle/>
+            <a:p>
+              <a:pPr algn="ctr"/>
+              <a:r>
+                <a:rPr lang="zh-CN" altLang="en-US" dirty="0">
+                  <a:solidFill>
+                    <a:schemeClr val="bg1"/>
+                  </a:solidFill>
+                  <a:latin typeface="微软雅黑 Light" panose="020B0502040204020203" pitchFamily="34" charset="-122"/>
+                  <a:ea typeface="微软雅黑 Light" panose="020B0502040204020203" pitchFamily="34" charset="-122"/>
+                </a:rPr>
+                <a:t>舵机、电机驱动模块</a:t>
+              </a:r>
+            </a:p>
+          </p:txBody>
+        </p:sp>
+        <p:sp>
+          <p:nvSpPr>
+            <p:cNvPr id="7" name="矩形: 圆角 6">
+              <a:extLst>
+                <a:ext uri="{FF2B5EF4-FFF2-40B4-BE49-F238E27FC236}">
+                  <a16:creationId xmlns:a16="http://schemas.microsoft.com/office/drawing/2014/main" id="{ABD681A7-F394-490E-9E09-887CFF90AB69}"/>
+                </a:ext>
+              </a:extLst>
+            </p:cNvPr>
+            <p:cNvSpPr/>
+            <p:nvPr/>
+          </p:nvSpPr>
+          <p:spPr>
+            <a:xfrm>
+              <a:off x="5052791" y="3682117"/>
+              <a:ext cx="2083242" cy="714291"/>
+            </a:xfrm>
+            <a:prstGeom prst="roundRect">
+              <a:avLst/>
+            </a:prstGeom>
+          </p:spPr>
+          <p:style>
+            <a:lnRef idx="2">
+              <a:schemeClr val="accent1">
+                <a:shade val="50000"/>
+              </a:schemeClr>
+            </a:lnRef>
+            <a:fillRef idx="1">
+              <a:schemeClr val="accent1"/>
+            </a:fillRef>
+            <a:effectRef idx="0">
+              <a:schemeClr val="accent1"/>
+            </a:effectRef>
+            <a:fontRef idx="minor">
+              <a:schemeClr val="lt1"/>
+            </a:fontRef>
+          </p:style>
+          <p:txBody>
+            <a:bodyPr rtlCol="0" anchor="ctr"/>
+            <a:lstStyle/>
+            <a:p>
+              <a:pPr algn="ctr"/>
+              <a:r>
+                <a:rPr lang="zh-CN" altLang="en-US" dirty="0">
+                  <a:solidFill>
+                    <a:schemeClr val="bg1"/>
+                  </a:solidFill>
+                  <a:latin typeface="微软雅黑 Light" panose="020B0502040204020203" pitchFamily="34" charset="-122"/>
+                  <a:ea typeface="微软雅黑 Light" panose="020B0502040204020203" pitchFamily="34" charset="-122"/>
+                </a:rPr>
+                <a:t>蓝牙通讯模块</a:t>
+              </a:r>
+            </a:p>
+          </p:txBody>
+        </p:sp>
+        <p:sp>
+          <p:nvSpPr>
+            <p:cNvPr id="8" name="矩形: 圆角 7">
+              <a:extLst>
+                <a:ext uri="{FF2B5EF4-FFF2-40B4-BE49-F238E27FC236}">
+                  <a16:creationId xmlns:a16="http://schemas.microsoft.com/office/drawing/2014/main" id="{5D8ED8B1-90F9-4807-9394-DB4CA179FC8F}"/>
+                </a:ext>
+              </a:extLst>
+            </p:cNvPr>
+            <p:cNvSpPr/>
+            <p:nvPr/>
+          </p:nvSpPr>
+          <p:spPr>
+            <a:xfrm>
+              <a:off x="1966622" y="3682117"/>
+              <a:ext cx="2350936" cy="714291"/>
+            </a:xfrm>
+            <a:prstGeom prst="roundRect">
+              <a:avLst/>
+            </a:prstGeom>
+          </p:spPr>
+          <p:style>
+            <a:lnRef idx="2">
+              <a:schemeClr val="accent1">
+                <a:shade val="50000"/>
+              </a:schemeClr>
+            </a:lnRef>
+            <a:fillRef idx="1">
+              <a:schemeClr val="accent1"/>
+            </a:fillRef>
+            <a:effectRef idx="0">
+              <a:schemeClr val="accent1"/>
+            </a:effectRef>
+            <a:fontRef idx="minor">
+              <a:schemeClr val="lt1"/>
+            </a:fontRef>
+          </p:style>
+          <p:txBody>
+            <a:bodyPr rtlCol="0" anchor="ctr"/>
+            <a:lstStyle/>
+            <a:p>
+              <a:pPr algn="ctr"/>
+              <a:r>
+                <a:rPr lang="en-US" altLang="zh-CN" dirty="0">
+                  <a:solidFill>
+                    <a:schemeClr val="bg1"/>
+                  </a:solidFill>
+                  <a:latin typeface="微软雅黑 Light" panose="020B0502040204020203" pitchFamily="34" charset="-122"/>
+                  <a:ea typeface="微软雅黑 Light" panose="020B0502040204020203" pitchFamily="34" charset="-122"/>
+                </a:rPr>
+                <a:t>Win32</a:t>
+              </a:r>
+              <a:r>
+                <a:rPr lang="zh-CN" altLang="en-US" dirty="0">
+                  <a:solidFill>
+                    <a:schemeClr val="bg1"/>
+                  </a:solidFill>
+                  <a:latin typeface="微软雅黑 Light" panose="020B0502040204020203" pitchFamily="34" charset="-122"/>
+                  <a:ea typeface="微软雅黑 Light" panose="020B0502040204020203" pitchFamily="34" charset="-122"/>
+                </a:rPr>
+                <a:t>调试助手程序（</a:t>
+              </a:r>
+              <a:r>
+                <a:rPr lang="en-US" altLang="zh-CN" dirty="0">
+                  <a:solidFill>
+                    <a:schemeClr val="bg1"/>
+                  </a:solidFill>
+                  <a:latin typeface="微软雅黑 Light" panose="020B0502040204020203" pitchFamily="34" charset="-122"/>
+                  <a:ea typeface="微软雅黑 Light" panose="020B0502040204020203" pitchFamily="34" charset="-122"/>
+                </a:rPr>
+                <a:t>C#</a:t>
+              </a:r>
+              <a:r>
+                <a:rPr lang="zh-CN" altLang="en-US" dirty="0">
+                  <a:solidFill>
+                    <a:schemeClr val="bg1"/>
+                  </a:solidFill>
+                  <a:latin typeface="微软雅黑 Light" panose="020B0502040204020203" pitchFamily="34" charset="-122"/>
+                  <a:ea typeface="微软雅黑 Light" panose="020B0502040204020203" pitchFamily="34" charset="-122"/>
+                </a:rPr>
+                <a:t>）</a:t>
+              </a:r>
+            </a:p>
+          </p:txBody>
+        </p:sp>
+        <p:sp>
+          <p:nvSpPr>
+            <p:cNvPr id="9" name="矩形: 圆角 8">
+              <a:extLst>
+                <a:ext uri="{FF2B5EF4-FFF2-40B4-BE49-F238E27FC236}">
+                  <a16:creationId xmlns:a16="http://schemas.microsoft.com/office/drawing/2014/main" id="{3E4A347C-E87E-4368-9A62-2228BAC2CC12}"/>
+                </a:ext>
+              </a:extLst>
+            </p:cNvPr>
+            <p:cNvSpPr/>
+            <p:nvPr/>
+          </p:nvSpPr>
+          <p:spPr>
+            <a:xfrm>
+              <a:off x="1141413" y="5194256"/>
+              <a:ext cx="2083242" cy="714291"/>
+            </a:xfrm>
+            <a:prstGeom prst="roundRect">
+              <a:avLst/>
+            </a:prstGeom>
+          </p:spPr>
+          <p:style>
+            <a:lnRef idx="2">
+              <a:schemeClr val="accent1">
+                <a:shade val="50000"/>
+              </a:schemeClr>
+            </a:lnRef>
+            <a:fillRef idx="1">
+              <a:schemeClr val="accent1"/>
+            </a:fillRef>
+            <a:effectRef idx="0">
+              <a:schemeClr val="accent1"/>
+            </a:effectRef>
+            <a:fontRef idx="minor">
+              <a:schemeClr val="lt1"/>
+            </a:fontRef>
+          </p:style>
+          <p:txBody>
+            <a:bodyPr rtlCol="0" anchor="ctr"/>
+            <a:lstStyle/>
+            <a:p>
+              <a:pPr algn="ctr"/>
+              <a:r>
+                <a:rPr lang="zh-CN" altLang="en-US" dirty="0">
+                  <a:solidFill>
+                    <a:schemeClr val="bg1"/>
+                  </a:solidFill>
+                  <a:latin typeface="微软雅黑 Light" panose="020B0502040204020203" pitchFamily="34" charset="-122"/>
+                  <a:ea typeface="微软雅黑 Light" panose="020B0502040204020203" pitchFamily="34" charset="-122"/>
+                </a:rPr>
+                <a:t>传统</a:t>
+              </a:r>
+              <a:r>
+                <a:rPr lang="en-US" altLang="zh-CN" dirty="0">
+                  <a:solidFill>
+                    <a:schemeClr val="bg1"/>
+                  </a:solidFill>
+                  <a:latin typeface="微软雅黑 Light" panose="020B0502040204020203" pitchFamily="34" charset="-122"/>
+                  <a:ea typeface="微软雅黑 Light" panose="020B0502040204020203" pitchFamily="34" charset="-122"/>
+                </a:rPr>
+                <a:t>GUI</a:t>
+              </a:r>
+              <a:r>
+                <a:rPr lang="zh-CN" altLang="en-US" dirty="0">
+                  <a:solidFill>
+                    <a:schemeClr val="bg1"/>
+                  </a:solidFill>
+                  <a:latin typeface="微软雅黑 Light" panose="020B0502040204020203" pitchFamily="34" charset="-122"/>
+                  <a:ea typeface="微软雅黑 Light" panose="020B0502040204020203" pitchFamily="34" charset="-122"/>
+                </a:rPr>
+                <a:t>控制</a:t>
+              </a:r>
+            </a:p>
+          </p:txBody>
+        </p:sp>
+        <p:sp>
+          <p:nvSpPr>
+            <p:cNvPr id="10" name="矩形: 圆角 9">
+              <a:extLst>
+                <a:ext uri="{FF2B5EF4-FFF2-40B4-BE49-F238E27FC236}">
+                  <a16:creationId xmlns:a16="http://schemas.microsoft.com/office/drawing/2014/main" id="{59910004-B255-410A-8862-FDEEFBF7CAB0}"/>
+                </a:ext>
+              </a:extLst>
+            </p:cNvPr>
+            <p:cNvSpPr/>
+            <p:nvPr/>
+          </p:nvSpPr>
+          <p:spPr>
+            <a:xfrm>
+              <a:off x="1141413" y="2169978"/>
+              <a:ext cx="2083242" cy="714291"/>
+            </a:xfrm>
+            <a:prstGeom prst="roundRect">
+              <a:avLst/>
+            </a:prstGeom>
+          </p:spPr>
+          <p:style>
+            <a:lnRef idx="2">
+              <a:schemeClr val="accent1">
+                <a:shade val="50000"/>
+              </a:schemeClr>
+            </a:lnRef>
+            <a:fillRef idx="1">
+              <a:schemeClr val="accent1"/>
+            </a:fillRef>
+            <a:effectRef idx="0">
+              <a:schemeClr val="accent1"/>
+            </a:effectRef>
+            <a:fontRef idx="minor">
+              <a:schemeClr val="lt1"/>
+            </a:fontRef>
+          </p:style>
+          <p:txBody>
+            <a:bodyPr rtlCol="0" anchor="ctr"/>
+            <a:lstStyle/>
+            <a:p>
+              <a:pPr algn="ctr"/>
+              <a:r>
+                <a:rPr lang="en-US" altLang="zh-CN" dirty="0">
+                  <a:solidFill>
+                    <a:schemeClr val="bg1"/>
+                  </a:solidFill>
+                  <a:latin typeface="微软雅黑 Light" panose="020B0502040204020203" pitchFamily="34" charset="-122"/>
+                  <a:ea typeface="微软雅黑 Light" panose="020B0502040204020203" pitchFamily="34" charset="-122"/>
+                </a:rPr>
+                <a:t>Kinect</a:t>
+              </a:r>
+              <a:endParaRPr lang="zh-CN" altLang="en-US" dirty="0">
+                <a:solidFill>
+                  <a:schemeClr val="bg1"/>
+                </a:solidFill>
+                <a:latin typeface="微软雅黑 Light" panose="020B0502040204020203" pitchFamily="34" charset="-122"/>
+                <a:ea typeface="微软雅黑 Light" panose="020B0502040204020203" pitchFamily="34" charset="-122"/>
+              </a:endParaRPr>
+            </a:p>
+          </p:txBody>
+        </p:sp>
+        <p:cxnSp>
+          <p:nvCxnSpPr>
+            <p:cNvPr id="13" name="直接箭头连接符 12">
+              <a:extLst>
+                <a:ext uri="{FF2B5EF4-FFF2-40B4-BE49-F238E27FC236}">
+                  <a16:creationId xmlns:a16="http://schemas.microsoft.com/office/drawing/2014/main" id="{087D13FD-DE6B-48D4-86CE-14E1FDEAC7C4}"/>
+                </a:ext>
+              </a:extLst>
+            </p:cNvPr>
+            <p:cNvCxnSpPr>
+              <a:cxnSpLocks/>
+            </p:cNvCxnSpPr>
+            <p:nvPr/>
+          </p:nvCxnSpPr>
+          <p:spPr>
+            <a:xfrm>
+              <a:off x="2515401" y="3044967"/>
+              <a:ext cx="840050" cy="476451"/>
+            </a:xfrm>
+            <a:prstGeom prst="straightConnector1">
+              <a:avLst/>
+            </a:prstGeom>
+            <a:ln>
+              <a:solidFill>
+                <a:schemeClr val="bg1"/>
+              </a:solidFill>
+              <a:tailEnd type="triangle"/>
+            </a:ln>
+          </p:spPr>
+          <p:style>
+            <a:lnRef idx="1">
+              <a:schemeClr val="accent1"/>
+            </a:lnRef>
+            <a:fillRef idx="0">
+              <a:schemeClr val="accent1"/>
+            </a:fillRef>
+            <a:effectRef idx="0">
+              <a:schemeClr val="accent1"/>
+            </a:effectRef>
+            <a:fontRef idx="minor">
+              <a:schemeClr val="tx1"/>
+            </a:fontRef>
+          </p:style>
+        </p:cxnSp>
+        <p:cxnSp>
+          <p:nvCxnSpPr>
+            <p:cNvPr id="16" name="直接箭头连接符 15">
+              <a:extLst>
+                <a:ext uri="{FF2B5EF4-FFF2-40B4-BE49-F238E27FC236}">
+                  <a16:creationId xmlns:a16="http://schemas.microsoft.com/office/drawing/2014/main" id="{C012C54D-811A-434D-BDE9-2026B7E18B48}"/>
+                </a:ext>
+              </a:extLst>
+            </p:cNvPr>
+            <p:cNvCxnSpPr>
+              <a:cxnSpLocks/>
+            </p:cNvCxnSpPr>
+            <p:nvPr/>
+          </p:nvCxnSpPr>
+          <p:spPr>
+            <a:xfrm flipV="1">
+              <a:off x="2515401" y="4570361"/>
+              <a:ext cx="840049" cy="449942"/>
+            </a:xfrm>
+            <a:prstGeom prst="straightConnector1">
+              <a:avLst/>
+            </a:prstGeom>
+            <a:ln>
+              <a:solidFill>
+                <a:schemeClr val="bg1"/>
+              </a:solidFill>
+              <a:tailEnd type="triangle"/>
+            </a:ln>
+          </p:spPr>
+          <p:style>
+            <a:lnRef idx="1">
+              <a:schemeClr val="accent1"/>
+            </a:lnRef>
+            <a:fillRef idx="0">
+              <a:schemeClr val="accent1"/>
+            </a:fillRef>
+            <a:effectRef idx="0">
+              <a:schemeClr val="accent1"/>
+            </a:effectRef>
+            <a:fontRef idx="minor">
+              <a:schemeClr val="tx1"/>
+            </a:fontRef>
+          </p:style>
+        </p:cxnSp>
+        <p:cxnSp>
+          <p:nvCxnSpPr>
+            <p:cNvPr id="20" name="直接箭头连接符 19">
+              <a:extLst>
+                <a:ext uri="{FF2B5EF4-FFF2-40B4-BE49-F238E27FC236}">
+                  <a16:creationId xmlns:a16="http://schemas.microsoft.com/office/drawing/2014/main" id="{07DB42D8-CD20-4833-ADF8-573E64EEC6F0}"/>
+                </a:ext>
+              </a:extLst>
+            </p:cNvPr>
+            <p:cNvCxnSpPr>
+              <a:cxnSpLocks/>
+            </p:cNvCxnSpPr>
+            <p:nvPr/>
+          </p:nvCxnSpPr>
+          <p:spPr>
+            <a:xfrm>
+              <a:off x="4397071" y="4055860"/>
+              <a:ext cx="588397" cy="0"/>
+            </a:xfrm>
+            <a:prstGeom prst="straightConnector1">
+              <a:avLst/>
+            </a:prstGeom>
+            <a:ln>
+              <a:solidFill>
+                <a:schemeClr val="bg1"/>
+              </a:solidFill>
+              <a:tailEnd type="triangle"/>
+            </a:ln>
+          </p:spPr>
+          <p:style>
+            <a:lnRef idx="1">
+              <a:schemeClr val="accent1"/>
+            </a:lnRef>
+            <a:fillRef idx="0">
+              <a:schemeClr val="accent1"/>
+            </a:fillRef>
+            <a:effectRef idx="0">
+              <a:schemeClr val="accent1"/>
+            </a:effectRef>
+            <a:fontRef idx="minor">
+              <a:schemeClr val="tx1"/>
+            </a:fontRef>
+          </p:style>
+        </p:cxnSp>
+        <p:cxnSp>
+          <p:nvCxnSpPr>
+            <p:cNvPr id="23" name="直接箭头连接符 22">
+              <a:extLst>
+                <a:ext uri="{FF2B5EF4-FFF2-40B4-BE49-F238E27FC236}">
+                  <a16:creationId xmlns:a16="http://schemas.microsoft.com/office/drawing/2014/main" id="{A4ACAD52-A916-489D-90ED-A5FB9EDAEDC6}"/>
+                </a:ext>
+              </a:extLst>
+            </p:cNvPr>
+            <p:cNvCxnSpPr>
+              <a:cxnSpLocks/>
+            </p:cNvCxnSpPr>
+            <p:nvPr/>
+          </p:nvCxnSpPr>
+          <p:spPr>
+            <a:xfrm>
+              <a:off x="7308574" y="4055860"/>
+              <a:ext cx="588397" cy="0"/>
+            </a:xfrm>
+            <a:prstGeom prst="straightConnector1">
+              <a:avLst/>
+            </a:prstGeom>
+            <a:ln>
+              <a:solidFill>
+                <a:schemeClr val="bg1"/>
+              </a:solidFill>
+              <a:tailEnd type="triangle"/>
+            </a:ln>
+          </p:spPr>
+          <p:style>
+            <a:lnRef idx="1">
+              <a:schemeClr val="accent1"/>
+            </a:lnRef>
+            <a:fillRef idx="0">
+              <a:schemeClr val="accent1"/>
+            </a:fillRef>
+            <a:effectRef idx="0">
+              <a:schemeClr val="accent1"/>
+            </a:effectRef>
+            <a:fontRef idx="minor">
+              <a:schemeClr val="tx1"/>
+            </a:fontRef>
+          </p:style>
+        </p:cxnSp>
+        <p:cxnSp>
+          <p:nvCxnSpPr>
+            <p:cNvPr id="24" name="直接箭头连接符 23">
+              <a:extLst>
+                <a:ext uri="{FF2B5EF4-FFF2-40B4-BE49-F238E27FC236}">
+                  <a16:creationId xmlns:a16="http://schemas.microsoft.com/office/drawing/2014/main" id="{E6727062-ABCE-48B6-B8D4-E980CDD33A20}"/>
+                </a:ext>
+              </a:extLst>
+            </p:cNvPr>
+            <p:cNvCxnSpPr>
+              <a:cxnSpLocks/>
+            </p:cNvCxnSpPr>
+            <p:nvPr/>
+          </p:nvCxnSpPr>
+          <p:spPr>
+            <a:xfrm>
+              <a:off x="9146650" y="4751698"/>
+              <a:ext cx="0" cy="442558"/>
+            </a:xfrm>
+            <a:prstGeom prst="straightConnector1">
+              <a:avLst/>
+            </a:prstGeom>
+            <a:ln>
+              <a:solidFill>
+                <a:schemeClr val="bg1"/>
+              </a:solidFill>
+              <a:tailEnd type="triangle"/>
+            </a:ln>
+          </p:spPr>
+          <p:style>
+            <a:lnRef idx="1">
+              <a:schemeClr val="accent1"/>
+            </a:lnRef>
+            <a:fillRef idx="0">
+              <a:schemeClr val="accent1"/>
+            </a:fillRef>
+            <a:effectRef idx="0">
+              <a:schemeClr val="accent1"/>
+            </a:effectRef>
+            <a:fontRef idx="minor">
+              <a:schemeClr val="tx1"/>
+            </a:fontRef>
+          </p:style>
+        </p:cxnSp>
+        <p:cxnSp>
+          <p:nvCxnSpPr>
+            <p:cNvPr id="26" name="直接箭头连接符 25">
+              <a:extLst>
+                <a:ext uri="{FF2B5EF4-FFF2-40B4-BE49-F238E27FC236}">
+                  <a16:creationId xmlns:a16="http://schemas.microsoft.com/office/drawing/2014/main" id="{A6980AE3-428C-4A29-8063-E34A03269468}"/>
+                </a:ext>
+              </a:extLst>
+            </p:cNvPr>
+            <p:cNvCxnSpPr>
+              <a:cxnSpLocks/>
+            </p:cNvCxnSpPr>
+            <p:nvPr/>
+          </p:nvCxnSpPr>
+          <p:spPr>
+            <a:xfrm>
+              <a:off x="9140024" y="2951644"/>
+              <a:ext cx="0" cy="442558"/>
+            </a:xfrm>
+            <a:prstGeom prst="straightConnector1">
+              <a:avLst/>
+            </a:prstGeom>
+            <a:ln>
+              <a:solidFill>
+                <a:schemeClr val="bg1"/>
+              </a:solidFill>
+              <a:tailEnd type="triangle"/>
+            </a:ln>
+          </p:spPr>
+          <p:style>
+            <a:lnRef idx="1">
+              <a:schemeClr val="accent1"/>
+            </a:lnRef>
+            <a:fillRef idx="0">
+              <a:schemeClr val="accent1"/>
+            </a:fillRef>
+            <a:effectRef idx="0">
+              <a:schemeClr val="accent1"/>
+            </a:effectRef>
+            <a:fontRef idx="minor">
+              <a:schemeClr val="tx1"/>
+            </a:fontRef>
+          </p:style>
+        </p:cxnSp>
+        <p:sp>
+          <p:nvSpPr>
+            <p:cNvPr id="27" name="文本框 26">
+              <a:extLst>
+                <a:ext uri="{FF2B5EF4-FFF2-40B4-BE49-F238E27FC236}">
+                  <a16:creationId xmlns:a16="http://schemas.microsoft.com/office/drawing/2014/main" id="{70832125-3684-417E-91E0-EDB5D98E348F}"/>
+                </a:ext>
+              </a:extLst>
+            </p:cNvPr>
+            <p:cNvSpPr txBox="1"/>
+            <p:nvPr/>
+          </p:nvSpPr>
+          <p:spPr>
+            <a:xfrm>
+              <a:off x="3224655" y="3058222"/>
+              <a:ext cx="1379150" cy="307777"/>
+            </a:xfrm>
+            <a:prstGeom prst="rect">
+              <a:avLst/>
+            </a:prstGeom>
+            <a:noFill/>
+          </p:spPr>
+          <p:txBody>
+            <a:bodyPr wrap="square" rtlCol="0">
+              <a:spAutoFit/>
+            </a:bodyPr>
+            <a:lstStyle/>
+            <a:p>
+              <a:r>
+                <a:rPr lang="en-US" altLang="zh-CN" sz="1400" dirty="0">
+                  <a:solidFill>
+                    <a:schemeClr val="bg1"/>
+                  </a:solidFill>
+                  <a:latin typeface="微软雅黑 Light" panose="020B0502040204020203" pitchFamily="34" charset="-122"/>
+                  <a:ea typeface="微软雅黑 Light" panose="020B0502040204020203" pitchFamily="34" charset="-122"/>
+                </a:rPr>
+                <a:t>Kinect API</a:t>
+              </a:r>
+              <a:endParaRPr lang="zh-CN" altLang="en-US" sz="1400" dirty="0">
+                <a:solidFill>
+                  <a:schemeClr val="bg1"/>
+                </a:solidFill>
+                <a:latin typeface="微软雅黑 Light" panose="020B0502040204020203" pitchFamily="34" charset="-122"/>
+                <a:ea typeface="微软雅黑 Light" panose="020B0502040204020203" pitchFamily="34" charset="-122"/>
+              </a:endParaRPr>
+            </a:p>
+          </p:txBody>
+        </p:sp>
+        <p:sp>
+          <p:nvSpPr>
+            <p:cNvPr id="28" name="文本框 27">
+              <a:extLst>
+                <a:ext uri="{FF2B5EF4-FFF2-40B4-BE49-F238E27FC236}">
+                  <a16:creationId xmlns:a16="http://schemas.microsoft.com/office/drawing/2014/main" id="{805AF5E6-2F63-4390-AB4F-7F9C2C4712AE}"/>
+                </a:ext>
+              </a:extLst>
+            </p:cNvPr>
+            <p:cNvSpPr txBox="1"/>
+            <p:nvPr/>
+          </p:nvSpPr>
+          <p:spPr>
+            <a:xfrm>
+              <a:off x="3914230" y="4570361"/>
+              <a:ext cx="1566468" cy="307777"/>
+            </a:xfrm>
+            <a:prstGeom prst="rect">
+              <a:avLst/>
+            </a:prstGeom>
+            <a:noFill/>
+          </p:spPr>
+          <p:txBody>
+            <a:bodyPr wrap="square" rtlCol="0">
+              <a:spAutoFit/>
+            </a:bodyPr>
+            <a:lstStyle/>
+            <a:p>
+              <a:r>
+                <a:rPr lang="zh-CN" altLang="en-US" sz="1400" dirty="0">
+                  <a:solidFill>
+                    <a:schemeClr val="bg1"/>
+                  </a:solidFill>
+                  <a:latin typeface="微软雅黑 Light" panose="020B0502040204020203" pitchFamily="34" charset="-122"/>
+                  <a:ea typeface="微软雅黑 Light" panose="020B0502040204020203" pitchFamily="34" charset="-122"/>
+                </a:rPr>
+                <a:t>等效为</a:t>
+              </a:r>
+              <a:r>
+                <a:rPr lang="en-US" altLang="zh-CN" sz="1400" dirty="0">
+                  <a:solidFill>
+                    <a:schemeClr val="bg1"/>
+                  </a:solidFill>
+                  <a:latin typeface="微软雅黑 Light" panose="020B0502040204020203" pitchFamily="34" charset="-122"/>
+                  <a:ea typeface="微软雅黑 Light" panose="020B0502040204020203" pitchFamily="34" charset="-122"/>
+                </a:rPr>
+                <a:t>COM</a:t>
+              </a:r>
+              <a:r>
+                <a:rPr lang="zh-CN" altLang="en-US" sz="1400" dirty="0">
+                  <a:solidFill>
+                    <a:schemeClr val="bg1"/>
+                  </a:solidFill>
+                  <a:latin typeface="微软雅黑 Light" panose="020B0502040204020203" pitchFamily="34" charset="-122"/>
+                  <a:ea typeface="微软雅黑 Light" panose="020B0502040204020203" pitchFamily="34" charset="-122"/>
+                </a:rPr>
+                <a:t>串口</a:t>
+              </a:r>
+            </a:p>
+          </p:txBody>
+        </p:sp>
+        <p:sp>
+          <p:nvSpPr>
+            <p:cNvPr id="29" name="文本框 28">
+              <a:extLst>
+                <a:ext uri="{FF2B5EF4-FFF2-40B4-BE49-F238E27FC236}">
+                  <a16:creationId xmlns:a16="http://schemas.microsoft.com/office/drawing/2014/main" id="{0105FB37-47A5-4ABF-908E-3B57C085548E}"/>
+                </a:ext>
+              </a:extLst>
+            </p:cNvPr>
+            <p:cNvSpPr txBox="1"/>
+            <p:nvPr/>
+          </p:nvSpPr>
+          <p:spPr>
+            <a:xfrm>
+              <a:off x="6506787" y="4530433"/>
+              <a:ext cx="1566468" cy="307777"/>
+            </a:xfrm>
+            <a:prstGeom prst="rect">
+              <a:avLst/>
+            </a:prstGeom>
+            <a:noFill/>
+          </p:spPr>
+          <p:txBody>
+            <a:bodyPr wrap="square" rtlCol="0">
+              <a:spAutoFit/>
+            </a:bodyPr>
+            <a:lstStyle/>
+            <a:p>
+              <a:r>
+                <a:rPr lang="zh-CN" altLang="en-US" sz="1400" dirty="0">
+                  <a:solidFill>
+                    <a:schemeClr val="bg1"/>
+                  </a:solidFill>
+                  <a:latin typeface="微软雅黑 Light" panose="020B0502040204020203" pitchFamily="34" charset="-122"/>
+                  <a:ea typeface="微软雅黑 Light" panose="020B0502040204020203" pitchFamily="34" charset="-122"/>
+                </a:rPr>
+                <a:t>等效为</a:t>
+              </a:r>
+              <a:r>
+                <a:rPr lang="en-US" altLang="zh-CN" sz="1400" dirty="0">
+                  <a:solidFill>
+                    <a:schemeClr val="bg1"/>
+                  </a:solidFill>
+                  <a:latin typeface="微软雅黑 Light" panose="020B0502040204020203" pitchFamily="34" charset="-122"/>
+                  <a:ea typeface="微软雅黑 Light" panose="020B0502040204020203" pitchFamily="34" charset="-122"/>
+                </a:rPr>
+                <a:t>UART</a:t>
+              </a:r>
+              <a:r>
+                <a:rPr lang="zh-CN" altLang="en-US" sz="1400" dirty="0">
+                  <a:solidFill>
+                    <a:schemeClr val="bg1"/>
+                  </a:solidFill>
+                  <a:latin typeface="微软雅黑 Light" panose="020B0502040204020203" pitchFamily="34" charset="-122"/>
+                  <a:ea typeface="微软雅黑 Light" panose="020B0502040204020203" pitchFamily="34" charset="-122"/>
+                </a:rPr>
+                <a:t>串口</a:t>
+              </a:r>
+            </a:p>
+          </p:txBody>
+        </p:sp>
+        <p:sp>
+          <p:nvSpPr>
+            <p:cNvPr id="46" name="文本框 45">
+              <a:extLst>
+                <a:ext uri="{FF2B5EF4-FFF2-40B4-BE49-F238E27FC236}">
+                  <a16:creationId xmlns:a16="http://schemas.microsoft.com/office/drawing/2014/main" id="{C09DD025-853C-4D97-9919-E380EFA3C2DE}"/>
+                </a:ext>
+              </a:extLst>
+            </p:cNvPr>
+            <p:cNvSpPr txBox="1"/>
+            <p:nvPr/>
+          </p:nvSpPr>
+          <p:spPr>
+            <a:xfrm>
+              <a:off x="11239593" y="3444240"/>
+              <a:ext cx="461665" cy="1528737"/>
+            </a:xfrm>
+            <a:prstGeom prst="rect">
+              <a:avLst/>
+            </a:prstGeom>
+            <a:noFill/>
+          </p:spPr>
+          <p:txBody>
+            <a:bodyPr vert="eaVert" wrap="square" rtlCol="0">
+              <a:spAutoFit/>
+            </a:bodyPr>
+            <a:lstStyle/>
+            <a:p>
+              <a:r>
+                <a:rPr lang="zh-CN" altLang="en-US" dirty="0">
+                  <a:solidFill>
+                    <a:schemeClr val="bg1"/>
+                  </a:solidFill>
+                  <a:latin typeface="微软雅黑 Light" panose="020B0502040204020203" pitchFamily="34" charset="-122"/>
+                  <a:ea typeface="微软雅黑 Light" panose="020B0502040204020203" pitchFamily="34" charset="-122"/>
+                </a:rPr>
+                <a:t>反馈调节</a:t>
+              </a:r>
+            </a:p>
+          </p:txBody>
+        </p:sp>
+        <p:sp>
+          <p:nvSpPr>
+            <p:cNvPr id="48" name="文本框 47">
+              <a:extLst>
+                <a:ext uri="{FF2B5EF4-FFF2-40B4-BE49-F238E27FC236}">
+                  <a16:creationId xmlns:a16="http://schemas.microsoft.com/office/drawing/2014/main" id="{15488E83-24D0-4AA7-BEF2-450C59FFA506}"/>
+                </a:ext>
+              </a:extLst>
+            </p:cNvPr>
+            <p:cNvSpPr txBox="1"/>
+            <p:nvPr/>
+          </p:nvSpPr>
+          <p:spPr>
+            <a:xfrm>
+              <a:off x="785177" y="3179836"/>
+              <a:ext cx="1960421" cy="307777"/>
+            </a:xfrm>
+            <a:prstGeom prst="rect">
+              <a:avLst/>
+            </a:prstGeom>
+            <a:noFill/>
+          </p:spPr>
+          <p:txBody>
+            <a:bodyPr wrap="square" rtlCol="0">
+              <a:spAutoFit/>
+            </a:bodyPr>
+            <a:lstStyle/>
+            <a:p>
+              <a:r>
+                <a:rPr lang="zh-CN" altLang="en-US" sz="1400" dirty="0">
+                  <a:solidFill>
+                    <a:schemeClr val="bg1"/>
+                  </a:solidFill>
+                  <a:latin typeface="微软雅黑 Light" panose="020B0502040204020203" pitchFamily="34" charset="-122"/>
+                  <a:ea typeface="微软雅黑 Light" panose="020B0502040204020203" pitchFamily="34" charset="-122"/>
+                </a:rPr>
+                <a:t>捕捉手部动作和位置</a:t>
+              </a:r>
+            </a:p>
+          </p:txBody>
+        </p:sp>
+      </p:grpSp>
+    </p:spTree>
+    <p:extLst>
+      <p:ext uri="{BB962C8B-B14F-4D97-AF65-F5344CB8AC3E}">
+        <p14:creationId xmlns:p14="http://schemas.microsoft.com/office/powerpoint/2010/main" val="398842355"/>
+      </p:ext>
+    </p:extLst>
+  </p:cSld>
+  <p:clrMapOvr>
+    <a:masterClrMapping/>
+  </p:clrMapOvr>
+</p:sld>
+</file>
+
+<file path=ppt/slides/slide4.xml><?xml version="1.0" encoding="utf-8"?>
+<p:sld xmlns:a="http://schemas.openxmlformats.org/drawingml/2006/main" xmlns:r="http://schemas.openxmlformats.org/officeDocument/2006/relationships" xmlns:p="http://schemas.openxmlformats.org/presentationml/2006/main">
+  <p:cSld>
+    <p:spTree>
+      <p:nvGrpSpPr>
+        <p:cNvPr id="1" name=""/>
+        <p:cNvGrpSpPr/>
+        <p:nvPr/>
+      </p:nvGrpSpPr>
+      <p:grpSpPr>
+        <a:xfrm>
+          <a:off x="0" y="0"/>
+          <a:ext cx="0" cy="0"/>
+          <a:chOff x="0" y="0"/>
+          <a:chExt cx="0" cy="0"/>
+        </a:xfrm>
+      </p:grpSpPr>
+      <p:sp>
+        <p:nvSpPr>
+          <p:cNvPr id="2" name="标题 1">
+            <a:extLst>
+              <a:ext uri="{FF2B5EF4-FFF2-40B4-BE49-F238E27FC236}">
+                <a16:creationId xmlns:a16="http://schemas.microsoft.com/office/drawing/2014/main" id="{2D9875E8-C743-45EB-9F29-8E1469AF6F63}"/>
+              </a:ext>
+            </a:extLst>
+          </p:cNvPr>
+          <p:cNvSpPr>
+            <a:spLocks noGrp="1"/>
+          </p:cNvSpPr>
+          <p:nvPr>
+            <p:ph type="title"/>
+          </p:nvPr>
+        </p:nvSpPr>
+        <p:spPr/>
+        <p:txBody>
+          <a:bodyPr/>
+          <a:lstStyle/>
+          <a:p>
+            <a:r>
+              <a:rPr lang="en-US" altLang="zh-CN" cap="none" dirty="0">
+                <a:solidFill>
+                  <a:schemeClr val="bg1"/>
+                </a:solidFill>
+              </a:rPr>
+              <a:t>Task 1: Hold Still and Keep Balance </a:t>
+            </a:r>
+            <a:endParaRPr lang="zh-CN" altLang="en-US" cap="none" dirty="0">
+              <a:solidFill>
+                <a:schemeClr val="bg1"/>
+              </a:solidFill>
+            </a:endParaRPr>
+          </a:p>
+        </p:txBody>
+      </p:sp>
+      <p:sp>
+        <p:nvSpPr>
           <p:cNvPr id="3" name="内容占位符 2">
             <a:extLst>
               <a:ext uri="{FF2B5EF4-FFF2-40B4-BE49-F238E27FC236}">
-                <a16:creationId xmlns:a16="http://schemas.microsoft.com/office/drawing/2014/main" id="{1AA56C01-1E0F-430F-94BC-9AD018F24C4E}"/>
+                <a16:creationId xmlns:a16="http://schemas.microsoft.com/office/drawing/2014/main" id="{463669EA-ABDE-4DF9-AF14-1D1C6595EA22}"/>
               </a:ext>
             </a:extLst>
           </p:cNvPr>
@@ -13015,14 +14320,1182 @@
           <a:bodyPr/>
           <a:lstStyle/>
           <a:p>
-            <a:endParaRPr lang="zh-CN" altLang="en-US" dirty="0"/>
+            <a:r>
+              <a:rPr lang="en-US" altLang="zh-CN" dirty="0">
+                <a:solidFill>
+                  <a:schemeClr val="bg1"/>
+                </a:solidFill>
+              </a:rPr>
+              <a:t>PID</a:t>
+            </a:r>
+            <a:r>
+              <a:rPr lang="zh-CN" altLang="en-US" dirty="0">
+                <a:solidFill>
+                  <a:schemeClr val="bg1"/>
+                </a:solidFill>
+              </a:rPr>
+              <a:t>控制是什么？</a:t>
+            </a:r>
+            <a:endParaRPr lang="en-US" altLang="zh-CN" dirty="0">
+              <a:solidFill>
+                <a:schemeClr val="bg1"/>
+              </a:solidFill>
+            </a:endParaRPr>
+          </a:p>
+          <a:p>
+            <a:pPr lvl="1"/>
+            <a:r>
+              <a:rPr lang="en-US" altLang="zh-CN" dirty="0">
+                <a:solidFill>
+                  <a:schemeClr val="bg1"/>
+                </a:solidFill>
+              </a:rPr>
+              <a:t>Proportion, Integration, differentiation</a:t>
+            </a:r>
+          </a:p>
+          <a:p>
+            <a:pPr lvl="1"/>
+            <a:endParaRPr lang="en-US" altLang="zh-CN" dirty="0">
+              <a:solidFill>
+                <a:schemeClr val="bg1"/>
+              </a:solidFill>
+            </a:endParaRPr>
+          </a:p>
+          <a:p>
+            <a:r>
+              <a:rPr lang="zh-CN" altLang="en-US" dirty="0">
+                <a:solidFill>
+                  <a:schemeClr val="bg1"/>
+                </a:solidFill>
+              </a:rPr>
+              <a:t>参数如何调节？</a:t>
+            </a:r>
+            <a:endParaRPr lang="en-US" altLang="zh-CN" dirty="0">
+              <a:solidFill>
+                <a:schemeClr val="bg1"/>
+              </a:solidFill>
+            </a:endParaRPr>
+          </a:p>
+          <a:p>
+            <a:pPr lvl="1"/>
+            <a:r>
+              <a:rPr lang="zh-CN" altLang="en-US" dirty="0">
+                <a:solidFill>
+                  <a:schemeClr val="bg1"/>
+                </a:solidFill>
+              </a:rPr>
+              <a:t>（待补充）</a:t>
+            </a:r>
+            <a:endParaRPr lang="en-US" altLang="zh-CN" dirty="0">
+              <a:solidFill>
+                <a:schemeClr val="bg1"/>
+              </a:solidFill>
+            </a:endParaRPr>
+          </a:p>
+          <a:p>
+            <a:endParaRPr lang="en-US" altLang="zh-CN" dirty="0">
+              <a:solidFill>
+                <a:schemeClr val="bg1"/>
+              </a:solidFill>
+            </a:endParaRPr>
+          </a:p>
+          <a:p>
+            <a:endParaRPr lang="zh-CN" altLang="en-US" dirty="0">
+              <a:solidFill>
+                <a:schemeClr val="bg1"/>
+              </a:solidFill>
+            </a:endParaRPr>
+          </a:p>
+        </p:txBody>
+      </p:sp>
+      <p:pic>
+        <p:nvPicPr>
+          <p:cNvPr id="5" name="图片 4" descr="图片包含 物体&#10;&#10;已生成高可信度的说明">
+            <a:extLst>
+              <a:ext uri="{FF2B5EF4-FFF2-40B4-BE49-F238E27FC236}">
+                <a16:creationId xmlns:a16="http://schemas.microsoft.com/office/drawing/2014/main" id="{BECD34F8-3AA4-490F-B56C-BFF64D916509}"/>
+              </a:ext>
+            </a:extLst>
+          </p:cNvPr>
+          <p:cNvPicPr>
+            <a:picLocks noChangeAspect="1"/>
+          </p:cNvPicPr>
+          <p:nvPr/>
+        </p:nvPicPr>
+        <p:blipFill>
+          <a:blip r:embed="rId2"/>
+          <a:stretch>
+            <a:fillRect/>
+          </a:stretch>
+        </p:blipFill>
+        <p:spPr>
+          <a:xfrm>
+            <a:off x="6094411" y="1800586"/>
+            <a:ext cx="5695313" cy="1761599"/>
+          </a:xfrm>
+          <a:prstGeom prst="rect">
+            <a:avLst/>
+          </a:prstGeom>
+        </p:spPr>
+      </p:pic>
+      <p:sp>
+        <p:nvSpPr>
+          <p:cNvPr id="6" name="矩形 5">
+            <a:extLst>
+              <a:ext uri="{FF2B5EF4-FFF2-40B4-BE49-F238E27FC236}">
+                <a16:creationId xmlns:a16="http://schemas.microsoft.com/office/drawing/2014/main" id="{16867D6B-4244-4757-AA89-9B62CF185C6D}"/>
+              </a:ext>
+            </a:extLst>
+          </p:cNvPr>
+          <p:cNvSpPr/>
+          <p:nvPr/>
+        </p:nvSpPr>
+        <p:spPr>
+          <a:xfrm>
+            <a:off x="8268854" y="6353294"/>
+            <a:ext cx="3748719" cy="369332"/>
+          </a:xfrm>
+          <a:prstGeom prst="rect">
+            <a:avLst/>
+          </a:prstGeom>
+        </p:spPr>
+        <p:txBody>
+          <a:bodyPr wrap="none">
+            <a:spAutoFit/>
+          </a:bodyPr>
+          <a:lstStyle/>
+          <a:p>
+            <a:r>
+              <a:rPr lang="zh-CN" altLang="en-US" dirty="0"/>
+              <a:t>http://www.51hei.com/mcu/2868.html</a:t>
+            </a:r>
+          </a:p>
+        </p:txBody>
+      </p:sp>
+      <p:sp>
+        <p:nvSpPr>
+          <p:cNvPr id="7" name="文本框 6">
+            <a:extLst>
+              <a:ext uri="{FF2B5EF4-FFF2-40B4-BE49-F238E27FC236}">
+                <a16:creationId xmlns:a16="http://schemas.microsoft.com/office/drawing/2014/main" id="{0D4650A2-F798-4310-9D6A-547C360839DF}"/>
+              </a:ext>
+            </a:extLst>
+          </p:cNvPr>
+          <p:cNvSpPr txBox="1"/>
+          <p:nvPr/>
+        </p:nvSpPr>
+        <p:spPr>
+          <a:xfrm>
+            <a:off x="8142135" y="675473"/>
+            <a:ext cx="3522428" cy="923330"/>
+          </a:xfrm>
+          <a:prstGeom prst="rect">
+            <a:avLst/>
+          </a:prstGeom>
+          <a:noFill/>
+        </p:spPr>
+        <p:txBody>
+          <a:bodyPr wrap="square" rtlCol="0">
+            <a:spAutoFit/>
+          </a:bodyPr>
+          <a:lstStyle/>
+          <a:p>
+            <a:pPr algn="ctr"/>
+            <a:r>
+              <a:rPr lang="en-US" altLang="zh-CN" sz="5400" dirty="0">
+                <a:solidFill>
+                  <a:srgbClr val="FF0000"/>
+                </a:solidFill>
+                <a:latin typeface="微软雅黑 Light" panose="020B0502040204020203" pitchFamily="34" charset="-122"/>
+                <a:ea typeface="微软雅黑 Light" panose="020B0502040204020203" pitchFamily="34" charset="-122"/>
+              </a:rPr>
+              <a:t>Demo</a:t>
+            </a:r>
+            <a:endParaRPr lang="zh-CN" altLang="en-US" sz="5400" dirty="0">
+              <a:solidFill>
+                <a:srgbClr val="FF0000"/>
+              </a:solidFill>
+              <a:latin typeface="微软雅黑 Light" panose="020B0502040204020203" pitchFamily="34" charset="-122"/>
+              <a:ea typeface="微软雅黑 Light" panose="020B0502040204020203" pitchFamily="34" charset="-122"/>
+            </a:endParaRPr>
           </a:p>
         </p:txBody>
       </p:sp>
     </p:spTree>
     <p:extLst>
       <p:ext uri="{BB962C8B-B14F-4D97-AF65-F5344CB8AC3E}">
-        <p14:creationId xmlns:p14="http://schemas.microsoft.com/office/powerpoint/2010/main" val="398842355"/>
+        <p14:creationId xmlns:p14="http://schemas.microsoft.com/office/powerpoint/2010/main" val="2882639012"/>
+      </p:ext>
+    </p:extLst>
+  </p:cSld>
+  <p:clrMapOvr>
+    <a:masterClrMapping/>
+  </p:clrMapOvr>
+</p:sld>
+</file>
+
+<file path=ppt/slides/slide5.xml><?xml version="1.0" encoding="utf-8"?>
+<p:sld xmlns:a="http://schemas.openxmlformats.org/drawingml/2006/main" xmlns:r="http://schemas.openxmlformats.org/officeDocument/2006/relationships" xmlns:p="http://schemas.openxmlformats.org/presentationml/2006/main">
+  <p:cSld>
+    <p:spTree>
+      <p:nvGrpSpPr>
+        <p:cNvPr id="1" name=""/>
+        <p:cNvGrpSpPr/>
+        <p:nvPr/>
+      </p:nvGrpSpPr>
+      <p:grpSpPr>
+        <a:xfrm>
+          <a:off x="0" y="0"/>
+          <a:ext cx="0" cy="0"/>
+          <a:chOff x="0" y="0"/>
+          <a:chExt cx="0" cy="0"/>
+        </a:xfrm>
+      </p:grpSpPr>
+      <p:sp>
+        <p:nvSpPr>
+          <p:cNvPr id="2" name="标题 1">
+            <a:extLst>
+              <a:ext uri="{FF2B5EF4-FFF2-40B4-BE49-F238E27FC236}">
+                <a16:creationId xmlns:a16="http://schemas.microsoft.com/office/drawing/2014/main" id="{02859012-2AD6-4882-A428-7430601EBF32}"/>
+              </a:ext>
+            </a:extLst>
+          </p:cNvPr>
+          <p:cNvSpPr>
+            <a:spLocks noGrp="1"/>
+          </p:cNvSpPr>
+          <p:nvPr>
+            <p:ph type="title"/>
+          </p:nvPr>
+        </p:nvSpPr>
+        <p:spPr/>
+        <p:txBody>
+          <a:bodyPr/>
+          <a:lstStyle/>
+          <a:p>
+            <a:r>
+              <a:rPr lang="en-US" altLang="zh-CN" cap="none" dirty="0">
+                <a:solidFill>
+                  <a:schemeClr val="bg1"/>
+                </a:solidFill>
+              </a:rPr>
+              <a:t>Task 2: Totter under Control</a:t>
+            </a:r>
+            <a:endParaRPr lang="zh-CN" altLang="en-US" cap="none" dirty="0">
+              <a:solidFill>
+                <a:schemeClr val="bg1"/>
+              </a:solidFill>
+            </a:endParaRPr>
+          </a:p>
+        </p:txBody>
+      </p:sp>
+      <p:sp>
+        <p:nvSpPr>
+          <p:cNvPr id="3" name="内容占位符 2">
+            <a:extLst>
+              <a:ext uri="{FF2B5EF4-FFF2-40B4-BE49-F238E27FC236}">
+                <a16:creationId xmlns:a16="http://schemas.microsoft.com/office/drawing/2014/main" id="{419E69B2-26FA-42A2-BBAD-1C394C4BE59C}"/>
+              </a:ext>
+            </a:extLst>
+          </p:cNvPr>
+          <p:cNvSpPr>
+            <a:spLocks noGrp="1"/>
+          </p:cNvSpPr>
+          <p:nvPr>
+            <p:ph idx="1"/>
+          </p:nvPr>
+        </p:nvSpPr>
+        <p:spPr/>
+        <p:txBody>
+          <a:bodyPr/>
+          <a:lstStyle/>
+          <a:p>
+            <a:r>
+              <a:rPr lang="zh-CN" altLang="en-US" dirty="0">
+                <a:solidFill>
+                  <a:schemeClr val="bg1"/>
+                </a:solidFill>
+              </a:rPr>
+              <a:t>小车运动的原理</a:t>
+            </a:r>
+            <a:endParaRPr lang="en-US" altLang="zh-CN" dirty="0">
+              <a:solidFill>
+                <a:schemeClr val="bg1"/>
+              </a:solidFill>
+            </a:endParaRPr>
+          </a:p>
+          <a:p>
+            <a:endParaRPr lang="en-US" altLang="zh-CN" dirty="0">
+              <a:solidFill>
+                <a:schemeClr val="bg1"/>
+              </a:solidFill>
+            </a:endParaRPr>
+          </a:p>
+          <a:p>
+            <a:r>
+              <a:rPr lang="zh-CN" altLang="en-US" dirty="0">
+                <a:solidFill>
+                  <a:schemeClr val="bg1"/>
+                </a:solidFill>
+              </a:rPr>
+              <a:t>电机响应不够快？</a:t>
+            </a:r>
+            <a:endParaRPr lang="en-US" altLang="zh-CN" dirty="0">
+              <a:solidFill>
+                <a:schemeClr val="bg1"/>
+              </a:solidFill>
+            </a:endParaRPr>
+          </a:p>
+          <a:p>
+            <a:pPr lvl="1"/>
+            <a:r>
+              <a:rPr lang="zh-CN" altLang="en-US" dirty="0">
+                <a:solidFill>
+                  <a:schemeClr val="bg1"/>
+                </a:solidFill>
+              </a:rPr>
+              <a:t>增加一个舵机控制的摆臂</a:t>
+            </a:r>
+          </a:p>
+        </p:txBody>
+      </p:sp>
+      <p:sp>
+        <p:nvSpPr>
+          <p:cNvPr id="4" name="文本框 3">
+            <a:extLst>
+              <a:ext uri="{FF2B5EF4-FFF2-40B4-BE49-F238E27FC236}">
+                <a16:creationId xmlns:a16="http://schemas.microsoft.com/office/drawing/2014/main" id="{26C99B7C-4047-4C4D-84CA-F62746666127}"/>
+              </a:ext>
+            </a:extLst>
+          </p:cNvPr>
+          <p:cNvSpPr txBox="1"/>
+          <p:nvPr/>
+        </p:nvSpPr>
+        <p:spPr>
+          <a:xfrm>
+            <a:off x="8142135" y="675473"/>
+            <a:ext cx="3522428" cy="923330"/>
+          </a:xfrm>
+          <a:prstGeom prst="rect">
+            <a:avLst/>
+          </a:prstGeom>
+          <a:noFill/>
+        </p:spPr>
+        <p:txBody>
+          <a:bodyPr wrap="square" rtlCol="0">
+            <a:spAutoFit/>
+          </a:bodyPr>
+          <a:lstStyle/>
+          <a:p>
+            <a:pPr algn="ctr"/>
+            <a:r>
+              <a:rPr lang="en-US" altLang="zh-CN" sz="5400" dirty="0">
+                <a:solidFill>
+                  <a:srgbClr val="FF0000"/>
+                </a:solidFill>
+                <a:latin typeface="微软雅黑 Light" panose="020B0502040204020203" pitchFamily="34" charset="-122"/>
+                <a:ea typeface="微软雅黑 Light" panose="020B0502040204020203" pitchFamily="34" charset="-122"/>
+              </a:rPr>
+              <a:t>Demo</a:t>
+            </a:r>
+            <a:endParaRPr lang="zh-CN" altLang="en-US" sz="5400" dirty="0">
+              <a:solidFill>
+                <a:srgbClr val="FF0000"/>
+              </a:solidFill>
+              <a:latin typeface="微软雅黑 Light" panose="020B0502040204020203" pitchFamily="34" charset="-122"/>
+              <a:ea typeface="微软雅黑 Light" panose="020B0502040204020203" pitchFamily="34" charset="-122"/>
+            </a:endParaRPr>
+          </a:p>
+        </p:txBody>
+      </p:sp>
+      <p:pic>
+        <p:nvPicPr>
+          <p:cNvPr id="8" name="图片 7">
+            <a:extLst>
+              <a:ext uri="{FF2B5EF4-FFF2-40B4-BE49-F238E27FC236}">
+                <a16:creationId xmlns:a16="http://schemas.microsoft.com/office/drawing/2014/main" id="{DF9B1EC9-8408-4E87-B0C4-E9994C54FAD8}"/>
+              </a:ext>
+            </a:extLst>
+          </p:cNvPr>
+          <p:cNvPicPr>
+            <a:picLocks noChangeAspect="1"/>
+          </p:cNvPicPr>
+          <p:nvPr/>
+        </p:nvPicPr>
+        <p:blipFill>
+          <a:blip r:embed="rId2"/>
+          <a:stretch>
+            <a:fillRect/>
+          </a:stretch>
+        </p:blipFill>
+        <p:spPr>
+          <a:xfrm>
+            <a:off x="6003070" y="2249487"/>
+            <a:ext cx="2857500" cy="1647825"/>
+          </a:xfrm>
+          <a:prstGeom prst="rect">
+            <a:avLst/>
+          </a:prstGeom>
+        </p:spPr>
+      </p:pic>
+      <p:sp>
+        <p:nvSpPr>
+          <p:cNvPr id="9" name="矩形 8">
+            <a:extLst>
+              <a:ext uri="{FF2B5EF4-FFF2-40B4-BE49-F238E27FC236}">
+                <a16:creationId xmlns:a16="http://schemas.microsoft.com/office/drawing/2014/main" id="{03CFC8FE-C1D4-4CB8-917E-642240B3B88A}"/>
+              </a:ext>
+            </a:extLst>
+          </p:cNvPr>
+          <p:cNvSpPr/>
+          <p:nvPr/>
+        </p:nvSpPr>
+        <p:spPr>
+          <a:xfrm>
+            <a:off x="7238258" y="6297635"/>
+            <a:ext cx="4823949" cy="369332"/>
+          </a:xfrm>
+          <a:prstGeom prst="rect">
+            <a:avLst/>
+          </a:prstGeom>
+        </p:spPr>
+        <p:txBody>
+          <a:bodyPr wrap="none">
+            <a:spAutoFit/>
+          </a:bodyPr>
+          <a:lstStyle/>
+          <a:p>
+            <a:r>
+              <a:rPr lang="zh-CN" altLang="en-US" dirty="0"/>
+              <a:t>http://www.eechina.com/thread-143982-1-1.html</a:t>
+            </a:r>
+          </a:p>
+        </p:txBody>
+      </p:sp>
+    </p:spTree>
+    <p:extLst>
+      <p:ext uri="{BB962C8B-B14F-4D97-AF65-F5344CB8AC3E}">
+        <p14:creationId xmlns:p14="http://schemas.microsoft.com/office/powerpoint/2010/main" val="3885092837"/>
+      </p:ext>
+    </p:extLst>
+  </p:cSld>
+  <p:clrMapOvr>
+    <a:masterClrMapping/>
+  </p:clrMapOvr>
+</p:sld>
+</file>
+
+<file path=ppt/slides/slide6.xml><?xml version="1.0" encoding="utf-8"?>
+<p:sld xmlns:a="http://schemas.openxmlformats.org/drawingml/2006/main" xmlns:r="http://schemas.openxmlformats.org/officeDocument/2006/relationships" xmlns:p="http://schemas.openxmlformats.org/presentationml/2006/main">
+  <p:cSld>
+    <p:spTree>
+      <p:nvGrpSpPr>
+        <p:cNvPr id="1" name=""/>
+        <p:cNvGrpSpPr/>
+        <p:nvPr/>
+      </p:nvGrpSpPr>
+      <p:grpSpPr>
+        <a:xfrm>
+          <a:off x="0" y="0"/>
+          <a:ext cx="0" cy="0"/>
+          <a:chOff x="0" y="0"/>
+          <a:chExt cx="0" cy="0"/>
+        </a:xfrm>
+      </p:grpSpPr>
+      <p:sp>
+        <p:nvSpPr>
+          <p:cNvPr id="2" name="标题 1">
+            <a:extLst>
+              <a:ext uri="{FF2B5EF4-FFF2-40B4-BE49-F238E27FC236}">
+                <a16:creationId xmlns:a16="http://schemas.microsoft.com/office/drawing/2014/main" id="{6CA23559-F069-4A77-975C-45461A2B7BBE}"/>
+              </a:ext>
+            </a:extLst>
+          </p:cNvPr>
+          <p:cNvSpPr>
+            <a:spLocks noGrp="1"/>
+          </p:cNvSpPr>
+          <p:nvPr>
+            <p:ph type="title"/>
+          </p:nvPr>
+        </p:nvSpPr>
+        <p:spPr/>
+        <p:txBody>
+          <a:bodyPr/>
+          <a:lstStyle/>
+          <a:p>
+            <a:r>
+              <a:rPr lang="en-US" altLang="zh-CN" cap="none" dirty="0">
+                <a:solidFill>
+                  <a:schemeClr val="bg1"/>
+                </a:solidFill>
+              </a:rPr>
+              <a:t>Task 3: Kinect in Command</a:t>
+            </a:r>
+            <a:endParaRPr lang="zh-CN" altLang="en-US" cap="none" dirty="0">
+              <a:solidFill>
+                <a:schemeClr val="bg1"/>
+              </a:solidFill>
+            </a:endParaRPr>
+          </a:p>
+        </p:txBody>
+      </p:sp>
+      <p:sp>
+        <p:nvSpPr>
+          <p:cNvPr id="3" name="内容占位符 2">
+            <a:extLst>
+              <a:ext uri="{FF2B5EF4-FFF2-40B4-BE49-F238E27FC236}">
+                <a16:creationId xmlns:a16="http://schemas.microsoft.com/office/drawing/2014/main" id="{BF040381-B7DC-4FAE-982C-D6FD1DA6AF23}"/>
+              </a:ext>
+            </a:extLst>
+          </p:cNvPr>
+          <p:cNvSpPr>
+            <a:spLocks noGrp="1"/>
+          </p:cNvSpPr>
+          <p:nvPr>
+            <p:ph idx="1"/>
+          </p:nvPr>
+        </p:nvSpPr>
+        <p:spPr/>
+        <p:txBody>
+          <a:bodyPr/>
+          <a:lstStyle/>
+          <a:p>
+            <a:r>
+              <a:rPr lang="en-US" altLang="zh-CN" dirty="0">
+                <a:solidFill>
+                  <a:schemeClr val="bg1"/>
+                </a:solidFill>
+              </a:rPr>
+              <a:t>Kinect</a:t>
+            </a:r>
+            <a:r>
+              <a:rPr lang="zh-CN" altLang="en-US" dirty="0">
+                <a:solidFill>
+                  <a:schemeClr val="bg1"/>
+                </a:solidFill>
+              </a:rPr>
+              <a:t>原理简介</a:t>
+            </a:r>
+            <a:endParaRPr lang="en-US" altLang="zh-CN" dirty="0">
+              <a:solidFill>
+                <a:schemeClr val="bg1"/>
+              </a:solidFill>
+            </a:endParaRPr>
+          </a:p>
+          <a:p>
+            <a:pPr lvl="1"/>
+            <a:r>
+              <a:rPr lang="en-US" altLang="zh-CN" dirty="0">
+                <a:solidFill>
+                  <a:schemeClr val="bg1"/>
+                </a:solidFill>
+              </a:rPr>
+              <a:t>RGB</a:t>
+            </a:r>
+            <a:r>
+              <a:rPr lang="zh-CN" altLang="en-US" dirty="0">
+                <a:solidFill>
+                  <a:schemeClr val="bg1"/>
+                </a:solidFill>
+              </a:rPr>
+              <a:t>相机 </a:t>
+            </a:r>
+            <a:r>
+              <a:rPr lang="en-US" altLang="zh-CN" dirty="0">
+                <a:solidFill>
+                  <a:schemeClr val="bg1"/>
+                </a:solidFill>
+              </a:rPr>
+              <a:t>+ </a:t>
+            </a:r>
+            <a:r>
+              <a:rPr lang="zh-CN" altLang="en-US" dirty="0">
+                <a:solidFill>
+                  <a:schemeClr val="bg1"/>
+                </a:solidFill>
+              </a:rPr>
+              <a:t>红外景深相机</a:t>
+            </a:r>
+            <a:endParaRPr lang="en-US" altLang="zh-CN" dirty="0">
+              <a:solidFill>
+                <a:schemeClr val="bg1"/>
+              </a:solidFill>
+            </a:endParaRPr>
+          </a:p>
+          <a:p>
+            <a:pPr lvl="1"/>
+            <a:r>
+              <a:rPr lang="zh-CN" altLang="en-US" dirty="0">
+                <a:solidFill>
+                  <a:schemeClr val="bg1"/>
+                </a:solidFill>
+              </a:rPr>
+              <a:t>三维重建</a:t>
+            </a:r>
+            <a:endParaRPr lang="en-US" altLang="zh-CN" dirty="0">
+              <a:solidFill>
+                <a:schemeClr val="bg1"/>
+              </a:solidFill>
+            </a:endParaRPr>
+          </a:p>
+          <a:p>
+            <a:pPr lvl="1"/>
+            <a:endParaRPr lang="en-US" altLang="zh-CN" dirty="0">
+              <a:solidFill>
+                <a:schemeClr val="bg1"/>
+              </a:solidFill>
+            </a:endParaRPr>
+          </a:p>
+          <a:p>
+            <a:r>
+              <a:rPr lang="en-US" altLang="zh-CN" dirty="0">
+                <a:solidFill>
+                  <a:schemeClr val="bg1"/>
+                </a:solidFill>
+              </a:rPr>
+              <a:t>Kinect API for C#</a:t>
+            </a:r>
+          </a:p>
+          <a:p>
+            <a:pPr lvl="1"/>
+            <a:r>
+              <a:rPr lang="zh-CN" altLang="en-US" dirty="0">
+                <a:solidFill>
+                  <a:schemeClr val="bg1"/>
+                </a:solidFill>
+              </a:rPr>
+              <a:t>人体</a:t>
+            </a:r>
+            <a:r>
+              <a:rPr lang="en-US" altLang="zh-CN" dirty="0">
+                <a:solidFill>
+                  <a:schemeClr val="bg1"/>
+                </a:solidFill>
+              </a:rPr>
+              <a:t>20</a:t>
+            </a:r>
+            <a:r>
+              <a:rPr lang="zh-CN" altLang="en-US" dirty="0">
+                <a:solidFill>
+                  <a:schemeClr val="bg1"/>
+                </a:solidFill>
+              </a:rPr>
+              <a:t>个关节的实时状态和位置</a:t>
+            </a:r>
+          </a:p>
+        </p:txBody>
+      </p:sp>
+      <p:sp>
+        <p:nvSpPr>
+          <p:cNvPr id="4" name="文本框 3">
+            <a:extLst>
+              <a:ext uri="{FF2B5EF4-FFF2-40B4-BE49-F238E27FC236}">
+                <a16:creationId xmlns:a16="http://schemas.microsoft.com/office/drawing/2014/main" id="{8C7F20EF-7254-4170-918D-004FF84C334A}"/>
+              </a:ext>
+            </a:extLst>
+          </p:cNvPr>
+          <p:cNvSpPr txBox="1"/>
+          <p:nvPr/>
+        </p:nvSpPr>
+        <p:spPr>
+          <a:xfrm>
+            <a:off x="8142135" y="675473"/>
+            <a:ext cx="3522428" cy="923330"/>
+          </a:xfrm>
+          <a:prstGeom prst="rect">
+            <a:avLst/>
+          </a:prstGeom>
+          <a:noFill/>
+        </p:spPr>
+        <p:txBody>
+          <a:bodyPr wrap="square" rtlCol="0">
+            <a:spAutoFit/>
+          </a:bodyPr>
+          <a:lstStyle/>
+          <a:p>
+            <a:r>
+              <a:rPr lang="en-US" altLang="zh-CN" sz="5400" dirty="0">
+                <a:solidFill>
+                  <a:srgbClr val="FF0000"/>
+                </a:solidFill>
+                <a:latin typeface="微软雅黑 Light" panose="020B0502040204020203" pitchFamily="34" charset="-122"/>
+                <a:ea typeface="微软雅黑 Light" panose="020B0502040204020203" pitchFamily="34" charset="-122"/>
+              </a:rPr>
+              <a:t>Demo</a:t>
+            </a:r>
+            <a:endParaRPr lang="zh-CN" altLang="en-US" sz="5400" dirty="0">
+              <a:solidFill>
+                <a:srgbClr val="FF0000"/>
+              </a:solidFill>
+              <a:latin typeface="微软雅黑 Light" panose="020B0502040204020203" pitchFamily="34" charset="-122"/>
+              <a:ea typeface="微软雅黑 Light" panose="020B0502040204020203" pitchFamily="34" charset="-122"/>
+            </a:endParaRPr>
+          </a:p>
+        </p:txBody>
+      </p:sp>
+      <p:pic>
+        <p:nvPicPr>
+          <p:cNvPr id="6" name="图片 5" descr="图片包含 电子产品&#10;&#10;已生成极高可信度的说明">
+            <a:extLst>
+              <a:ext uri="{FF2B5EF4-FFF2-40B4-BE49-F238E27FC236}">
+                <a16:creationId xmlns:a16="http://schemas.microsoft.com/office/drawing/2014/main" id="{1FC6129C-80AC-41F8-81B2-936ED191F6A4}"/>
+              </a:ext>
+            </a:extLst>
+          </p:cNvPr>
+          <p:cNvPicPr>
+            <a:picLocks noChangeAspect="1"/>
+          </p:cNvPicPr>
+          <p:nvPr/>
+        </p:nvPicPr>
+        <p:blipFill>
+          <a:blip r:embed="rId2"/>
+          <a:stretch>
+            <a:fillRect/>
+          </a:stretch>
+        </p:blipFill>
+        <p:spPr>
+          <a:xfrm>
+            <a:off x="6321364" y="1934082"/>
+            <a:ext cx="3880159" cy="2374657"/>
+          </a:xfrm>
+          <a:prstGeom prst="rect">
+            <a:avLst/>
+          </a:prstGeom>
+        </p:spPr>
+      </p:pic>
+      <p:pic>
+        <p:nvPicPr>
+          <p:cNvPr id="7" name="图片 6">
+            <a:extLst>
+              <a:ext uri="{FF2B5EF4-FFF2-40B4-BE49-F238E27FC236}">
+                <a16:creationId xmlns:a16="http://schemas.microsoft.com/office/drawing/2014/main" id="{331FE8A6-0639-4F65-97EB-175C2A50F4BA}"/>
+              </a:ext>
+            </a:extLst>
+          </p:cNvPr>
+          <p:cNvPicPr>
+            <a:picLocks noChangeAspect="1"/>
+          </p:cNvPicPr>
+          <p:nvPr/>
+        </p:nvPicPr>
+        <p:blipFill>
+          <a:blip r:embed="rId3"/>
+          <a:stretch>
+            <a:fillRect/>
+          </a:stretch>
+        </p:blipFill>
+        <p:spPr>
+          <a:xfrm>
+            <a:off x="6321364" y="4784780"/>
+            <a:ext cx="4932699" cy="1401335"/>
+          </a:xfrm>
+          <a:prstGeom prst="rect">
+            <a:avLst/>
+          </a:prstGeom>
+        </p:spPr>
+      </p:pic>
+    </p:spTree>
+    <p:extLst>
+      <p:ext uri="{BB962C8B-B14F-4D97-AF65-F5344CB8AC3E}">
+        <p14:creationId xmlns:p14="http://schemas.microsoft.com/office/powerpoint/2010/main" val="1964760661"/>
+      </p:ext>
+    </p:extLst>
+  </p:cSld>
+  <p:clrMapOvr>
+    <a:masterClrMapping/>
+  </p:clrMapOvr>
+</p:sld>
+</file>
+
+<file path=ppt/slides/slide7.xml><?xml version="1.0" encoding="utf-8"?>
+<p:sld xmlns:a="http://schemas.openxmlformats.org/drawingml/2006/main" xmlns:r="http://schemas.openxmlformats.org/officeDocument/2006/relationships" xmlns:p="http://schemas.openxmlformats.org/presentationml/2006/main">
+  <p:cSld>
+    <p:spTree>
+      <p:nvGrpSpPr>
+        <p:cNvPr id="1" name=""/>
+        <p:cNvGrpSpPr/>
+        <p:nvPr/>
+      </p:nvGrpSpPr>
+      <p:grpSpPr>
+        <a:xfrm>
+          <a:off x="0" y="0"/>
+          <a:ext cx="0" cy="0"/>
+          <a:chOff x="0" y="0"/>
+          <a:chExt cx="0" cy="0"/>
+        </a:xfrm>
+      </p:grpSpPr>
+      <p:sp>
+        <p:nvSpPr>
+          <p:cNvPr id="2" name="标题 1">
+            <a:extLst>
+              <a:ext uri="{FF2B5EF4-FFF2-40B4-BE49-F238E27FC236}">
+                <a16:creationId xmlns:a16="http://schemas.microsoft.com/office/drawing/2014/main" id="{B2FE247F-35AE-4365-8D57-EAC23EA15D0F}"/>
+              </a:ext>
+            </a:extLst>
+          </p:cNvPr>
+          <p:cNvSpPr>
+            <a:spLocks noGrp="1"/>
+          </p:cNvSpPr>
+          <p:nvPr>
+            <p:ph type="title"/>
+          </p:nvPr>
+        </p:nvSpPr>
+        <p:spPr/>
+        <p:txBody>
+          <a:bodyPr/>
+          <a:lstStyle/>
+          <a:p>
+            <a:r>
+              <a:rPr lang="zh-CN" altLang="en-US" dirty="0">
+                <a:solidFill>
+                  <a:schemeClr val="bg1"/>
+                </a:solidFill>
+              </a:rPr>
+              <a:t>刘江：</a:t>
+            </a:r>
+            <a:r>
+              <a:rPr lang="en-US" altLang="zh-CN" dirty="0">
+                <a:solidFill>
+                  <a:schemeClr val="bg1"/>
+                </a:solidFill>
+              </a:rPr>
+              <a:t>PID</a:t>
+            </a:r>
+            <a:r>
+              <a:rPr lang="zh-CN" altLang="en-US" dirty="0">
+                <a:solidFill>
+                  <a:schemeClr val="bg1"/>
+                </a:solidFill>
+              </a:rPr>
+              <a:t>调参师、团队领导核心</a:t>
+            </a:r>
+          </a:p>
+        </p:txBody>
+      </p:sp>
+      <p:sp>
+        <p:nvSpPr>
+          <p:cNvPr id="3" name="内容占位符 2">
+            <a:extLst>
+              <a:ext uri="{FF2B5EF4-FFF2-40B4-BE49-F238E27FC236}">
+                <a16:creationId xmlns:a16="http://schemas.microsoft.com/office/drawing/2014/main" id="{D3358FAC-A9A5-482A-AF41-D38C389C918D}"/>
+              </a:ext>
+            </a:extLst>
+          </p:cNvPr>
+          <p:cNvSpPr>
+            <a:spLocks noGrp="1"/>
+          </p:cNvSpPr>
+          <p:nvPr>
+            <p:ph idx="1"/>
+          </p:nvPr>
+        </p:nvSpPr>
+        <p:spPr/>
+        <p:txBody>
+          <a:bodyPr/>
+          <a:lstStyle/>
+          <a:p>
+            <a:endParaRPr lang="zh-CN" altLang="en-US" dirty="0"/>
+          </a:p>
+        </p:txBody>
+      </p:sp>
+      <p:sp>
+        <p:nvSpPr>
+          <p:cNvPr id="4" name="文本框 3">
+            <a:extLst>
+              <a:ext uri="{FF2B5EF4-FFF2-40B4-BE49-F238E27FC236}">
+                <a16:creationId xmlns:a16="http://schemas.microsoft.com/office/drawing/2014/main" id="{2C20C504-543A-47F9-8296-A9BB3D0AA81E}"/>
+              </a:ext>
+            </a:extLst>
+          </p:cNvPr>
+          <p:cNvSpPr txBox="1"/>
+          <p:nvPr/>
+        </p:nvSpPr>
+        <p:spPr>
+          <a:xfrm>
+            <a:off x="8142135" y="675473"/>
+            <a:ext cx="3522428" cy="923330"/>
+          </a:xfrm>
+          <a:prstGeom prst="rect">
+            <a:avLst/>
+          </a:prstGeom>
+          <a:noFill/>
+        </p:spPr>
+        <p:txBody>
+          <a:bodyPr wrap="square" rtlCol="0">
+            <a:spAutoFit/>
+          </a:bodyPr>
+          <a:lstStyle/>
+          <a:p>
+            <a:r>
+              <a:rPr lang="zh-CN" altLang="en-US" sz="5400" dirty="0">
+                <a:solidFill>
+                  <a:srgbClr val="FF0000"/>
+                </a:solidFill>
+                <a:latin typeface="微软雅黑 Light" panose="020B0502040204020203" pitchFamily="34" charset="-122"/>
+                <a:ea typeface="微软雅黑 Light" panose="020B0502040204020203" pitchFamily="34" charset="-122"/>
+              </a:rPr>
+              <a:t>任务分工</a:t>
+            </a:r>
+          </a:p>
+        </p:txBody>
+      </p:sp>
+    </p:spTree>
+    <p:extLst>
+      <p:ext uri="{BB962C8B-B14F-4D97-AF65-F5344CB8AC3E}">
+        <p14:creationId xmlns:p14="http://schemas.microsoft.com/office/powerpoint/2010/main" val="3963807962"/>
+      </p:ext>
+    </p:extLst>
+  </p:cSld>
+  <p:clrMapOvr>
+    <a:masterClrMapping/>
+  </p:clrMapOvr>
+</p:sld>
+</file>
+
+<file path=ppt/slides/slide8.xml><?xml version="1.0" encoding="utf-8"?>
+<p:sld xmlns:a="http://schemas.openxmlformats.org/drawingml/2006/main" xmlns:r="http://schemas.openxmlformats.org/officeDocument/2006/relationships" xmlns:p="http://schemas.openxmlformats.org/presentationml/2006/main">
+  <p:cSld>
+    <p:spTree>
+      <p:nvGrpSpPr>
+        <p:cNvPr id="1" name=""/>
+        <p:cNvGrpSpPr/>
+        <p:nvPr/>
+      </p:nvGrpSpPr>
+      <p:grpSpPr>
+        <a:xfrm>
+          <a:off x="0" y="0"/>
+          <a:ext cx="0" cy="0"/>
+          <a:chOff x="0" y="0"/>
+          <a:chExt cx="0" cy="0"/>
+        </a:xfrm>
+      </p:grpSpPr>
+      <p:sp>
+        <p:nvSpPr>
+          <p:cNvPr id="2" name="标题 1">
+            <a:extLst>
+              <a:ext uri="{FF2B5EF4-FFF2-40B4-BE49-F238E27FC236}">
+                <a16:creationId xmlns:a16="http://schemas.microsoft.com/office/drawing/2014/main" id="{38D1B57D-739C-430A-B92B-30D06DD19132}"/>
+              </a:ext>
+            </a:extLst>
+          </p:cNvPr>
+          <p:cNvSpPr>
+            <a:spLocks noGrp="1"/>
+          </p:cNvSpPr>
+          <p:nvPr>
+            <p:ph type="title"/>
+          </p:nvPr>
+        </p:nvSpPr>
+        <p:spPr/>
+        <p:txBody>
+          <a:bodyPr/>
+          <a:lstStyle/>
+          <a:p>
+            <a:r>
+              <a:rPr lang="zh-CN" altLang="en-US" dirty="0">
+                <a:solidFill>
+                  <a:schemeClr val="bg1"/>
+                </a:solidFill>
+              </a:rPr>
+              <a:t>孙竟耀：硬件与测试工程师</a:t>
+            </a:r>
+          </a:p>
+        </p:txBody>
+      </p:sp>
+      <p:sp>
+        <p:nvSpPr>
+          <p:cNvPr id="3" name="内容占位符 2">
+            <a:extLst>
+              <a:ext uri="{FF2B5EF4-FFF2-40B4-BE49-F238E27FC236}">
+                <a16:creationId xmlns:a16="http://schemas.microsoft.com/office/drawing/2014/main" id="{EF9F2D41-3531-481D-8A94-263F34383D3B}"/>
+              </a:ext>
+            </a:extLst>
+          </p:cNvPr>
+          <p:cNvSpPr>
+            <a:spLocks noGrp="1"/>
+          </p:cNvSpPr>
+          <p:nvPr>
+            <p:ph idx="1"/>
+          </p:nvPr>
+        </p:nvSpPr>
+        <p:spPr/>
+        <p:txBody>
+          <a:bodyPr/>
+          <a:lstStyle/>
+          <a:p>
+            <a:endParaRPr lang="zh-CN" altLang="en-US"/>
+          </a:p>
+        </p:txBody>
+      </p:sp>
+      <p:sp>
+        <p:nvSpPr>
+          <p:cNvPr id="4" name="文本框 3">
+            <a:extLst>
+              <a:ext uri="{FF2B5EF4-FFF2-40B4-BE49-F238E27FC236}">
+                <a16:creationId xmlns:a16="http://schemas.microsoft.com/office/drawing/2014/main" id="{E8638402-9736-4164-9D8C-9800894C2156}"/>
+              </a:ext>
+            </a:extLst>
+          </p:cNvPr>
+          <p:cNvSpPr txBox="1"/>
+          <p:nvPr/>
+        </p:nvSpPr>
+        <p:spPr>
+          <a:xfrm>
+            <a:off x="8142135" y="675473"/>
+            <a:ext cx="3522428" cy="923330"/>
+          </a:xfrm>
+          <a:prstGeom prst="rect">
+            <a:avLst/>
+          </a:prstGeom>
+          <a:noFill/>
+        </p:spPr>
+        <p:txBody>
+          <a:bodyPr wrap="square" rtlCol="0">
+            <a:spAutoFit/>
+          </a:bodyPr>
+          <a:lstStyle/>
+          <a:p>
+            <a:r>
+              <a:rPr lang="zh-CN" altLang="en-US" sz="5400" dirty="0">
+                <a:solidFill>
+                  <a:srgbClr val="FF0000"/>
+                </a:solidFill>
+                <a:latin typeface="微软雅黑 Light" panose="020B0502040204020203" pitchFamily="34" charset="-122"/>
+                <a:ea typeface="微软雅黑 Light" panose="020B0502040204020203" pitchFamily="34" charset="-122"/>
+              </a:rPr>
+              <a:t>任务分工</a:t>
+            </a:r>
+          </a:p>
+        </p:txBody>
+      </p:sp>
+    </p:spTree>
+    <p:extLst>
+      <p:ext uri="{BB962C8B-B14F-4D97-AF65-F5344CB8AC3E}">
+        <p14:creationId xmlns:p14="http://schemas.microsoft.com/office/powerpoint/2010/main" val="3471988264"/>
+      </p:ext>
+    </p:extLst>
+  </p:cSld>
+  <p:clrMapOvr>
+    <a:masterClrMapping/>
+  </p:clrMapOvr>
+</p:sld>
+</file>
+
+<file path=ppt/slides/slide9.xml><?xml version="1.0" encoding="utf-8"?>
+<p:sld xmlns:a="http://schemas.openxmlformats.org/drawingml/2006/main" xmlns:r="http://schemas.openxmlformats.org/officeDocument/2006/relationships" xmlns:p="http://schemas.openxmlformats.org/presentationml/2006/main">
+  <p:cSld>
+    <p:spTree>
+      <p:nvGrpSpPr>
+        <p:cNvPr id="1" name=""/>
+        <p:cNvGrpSpPr/>
+        <p:nvPr/>
+      </p:nvGrpSpPr>
+      <p:grpSpPr>
+        <a:xfrm>
+          <a:off x="0" y="0"/>
+          <a:ext cx="0" cy="0"/>
+          <a:chOff x="0" y="0"/>
+          <a:chExt cx="0" cy="0"/>
+        </a:xfrm>
+      </p:grpSpPr>
+      <p:sp>
+        <p:nvSpPr>
+          <p:cNvPr id="2" name="标题 1">
+            <a:extLst>
+              <a:ext uri="{FF2B5EF4-FFF2-40B4-BE49-F238E27FC236}">
+                <a16:creationId xmlns:a16="http://schemas.microsoft.com/office/drawing/2014/main" id="{5A985896-B999-4A05-A452-2686913213E7}"/>
+              </a:ext>
+            </a:extLst>
+          </p:cNvPr>
+          <p:cNvSpPr>
+            <a:spLocks noGrp="1"/>
+          </p:cNvSpPr>
+          <p:nvPr>
+            <p:ph type="title"/>
+          </p:nvPr>
+        </p:nvSpPr>
+        <p:spPr/>
+        <p:txBody>
+          <a:bodyPr/>
+          <a:lstStyle/>
+          <a:p>
+            <a:r>
+              <a:rPr lang="zh-CN" altLang="en-US" dirty="0">
+                <a:solidFill>
+                  <a:schemeClr val="bg1"/>
+                </a:solidFill>
+              </a:rPr>
+              <a:t>金帆：前端程序员、版本控制员</a:t>
+            </a:r>
+          </a:p>
+        </p:txBody>
+      </p:sp>
+      <p:sp>
+        <p:nvSpPr>
+          <p:cNvPr id="3" name="内容占位符 2">
+            <a:extLst>
+              <a:ext uri="{FF2B5EF4-FFF2-40B4-BE49-F238E27FC236}">
+                <a16:creationId xmlns:a16="http://schemas.microsoft.com/office/drawing/2014/main" id="{7DBCFEC9-5518-4218-8A77-4F70B1BC9ABC}"/>
+              </a:ext>
+            </a:extLst>
+          </p:cNvPr>
+          <p:cNvSpPr>
+            <a:spLocks noGrp="1"/>
+          </p:cNvSpPr>
+          <p:nvPr>
+            <p:ph idx="1"/>
+          </p:nvPr>
+        </p:nvSpPr>
+        <p:spPr/>
+        <p:txBody>
+          <a:bodyPr/>
+          <a:lstStyle/>
+          <a:p>
+            <a:endParaRPr lang="zh-CN" altLang="en-US" dirty="0"/>
+          </a:p>
+        </p:txBody>
+      </p:sp>
+      <p:sp>
+        <p:nvSpPr>
+          <p:cNvPr id="4" name="文本框 3">
+            <a:extLst>
+              <a:ext uri="{FF2B5EF4-FFF2-40B4-BE49-F238E27FC236}">
+                <a16:creationId xmlns:a16="http://schemas.microsoft.com/office/drawing/2014/main" id="{E6F884E4-1B3F-4DB3-9314-42CEAE7E8978}"/>
+              </a:ext>
+            </a:extLst>
+          </p:cNvPr>
+          <p:cNvSpPr txBox="1"/>
+          <p:nvPr/>
+        </p:nvSpPr>
+        <p:spPr>
+          <a:xfrm>
+            <a:off x="8142135" y="675473"/>
+            <a:ext cx="3522428" cy="923330"/>
+          </a:xfrm>
+          <a:prstGeom prst="rect">
+            <a:avLst/>
+          </a:prstGeom>
+          <a:noFill/>
+        </p:spPr>
+        <p:txBody>
+          <a:bodyPr wrap="square" rtlCol="0">
+            <a:spAutoFit/>
+          </a:bodyPr>
+          <a:lstStyle/>
+          <a:p>
+            <a:r>
+              <a:rPr lang="zh-CN" altLang="en-US" sz="5400" dirty="0">
+                <a:solidFill>
+                  <a:srgbClr val="FF0000"/>
+                </a:solidFill>
+                <a:latin typeface="微软雅黑 Light" panose="020B0502040204020203" pitchFamily="34" charset="-122"/>
+                <a:ea typeface="微软雅黑 Light" panose="020B0502040204020203" pitchFamily="34" charset="-122"/>
+              </a:rPr>
+              <a:t>任务分工</a:t>
+            </a:r>
+          </a:p>
+        </p:txBody>
+      </p:sp>
+    </p:spTree>
+    <p:extLst>
+      <p:ext uri="{BB962C8B-B14F-4D97-AF65-F5344CB8AC3E}">
+        <p14:creationId xmlns:p14="http://schemas.microsoft.com/office/powerpoint/2010/main" val="2360873522"/>
       </p:ext>
     </p:extLst>
   </p:cSld>
